--- a/lecture-materials/Analytics/aws_glue/aws_glue.pptx
+++ b/lecture-materials/Analytics/aws_glue/aws_glue.pptx
@@ -5,22 +5,21 @@
     <p:sldMasterId id="2147483648" r:id="rId1"/>
   </p:sldMasterIdLst>
   <p:notesMasterIdLst>
-    <p:notesMasterId r:id="rId15"/>
+    <p:notesMasterId r:id="rId14"/>
   </p:notesMasterIdLst>
   <p:sldIdLst>
     <p:sldId id="256" r:id="rId2"/>
     <p:sldId id="257" r:id="rId3"/>
-    <p:sldId id="258" r:id="rId4"/>
-    <p:sldId id="267" r:id="rId5"/>
+    <p:sldId id="270" r:id="rId4"/>
+    <p:sldId id="258" r:id="rId5"/>
     <p:sldId id="269" r:id="rId6"/>
-    <p:sldId id="270" r:id="rId7"/>
-    <p:sldId id="262" r:id="rId8"/>
-    <p:sldId id="272" r:id="rId9"/>
-    <p:sldId id="263" r:id="rId10"/>
-    <p:sldId id="264" r:id="rId11"/>
-    <p:sldId id="265" r:id="rId12"/>
-    <p:sldId id="259" r:id="rId13"/>
-    <p:sldId id="260" r:id="rId14"/>
+    <p:sldId id="262" r:id="rId7"/>
+    <p:sldId id="272" r:id="rId8"/>
+    <p:sldId id="263" r:id="rId9"/>
+    <p:sldId id="264" r:id="rId10"/>
+    <p:sldId id="265" r:id="rId11"/>
+    <p:sldId id="259" r:id="rId12"/>
+    <p:sldId id="260" r:id="rId13"/>
   </p:sldIdLst>
   <p:sldSz cx="12192000" cy="6858000"/>
   <p:notesSz cx="6858000" cy="9144000"/>
@@ -209,7 +208,7 @@
           <a:p>
             <a:fld id="{81E143BE-8EDD-9C45-B9BF-61AE5DD6F140}" type="datetimeFigureOut">
               <a:rPr lang="en-CH" smtClean="0"/>
-              <a:t>19.02.2024</a:t>
+              <a:t>21.02.2024</a:t>
             </a:fld>
             <a:endParaRPr lang="en-CH"/>
           </a:p>
@@ -542,7 +541,7 @@
           <a:p>
             <a:fld id="{021D610C-C505-7D4C-8B95-3A7EE981D7E5}" type="slidenum">
               <a:rPr lang="en-CH" smtClean="0"/>
-              <a:t>6</a:t>
+              <a:t>3</a:t>
             </a:fld>
             <a:endParaRPr lang="en-CH"/>
           </a:p>
@@ -710,7 +709,7 @@
           <a:p>
             <a:fld id="{322C9020-58D6-4B4B-AE71-CBBD8D6FD410}" type="datetimeFigureOut">
               <a:rPr lang="en-CH" smtClean="0"/>
-              <a:t>19.02.2024</a:t>
+              <a:t>21.02.2024</a:t>
             </a:fld>
             <a:endParaRPr lang="en-CH"/>
           </a:p>
@@ -910,7 +909,7 @@
           <a:p>
             <a:fld id="{322C9020-58D6-4B4B-AE71-CBBD8D6FD410}" type="datetimeFigureOut">
               <a:rPr lang="en-CH" smtClean="0"/>
-              <a:t>19.02.2024</a:t>
+              <a:t>21.02.2024</a:t>
             </a:fld>
             <a:endParaRPr lang="en-CH"/>
           </a:p>
@@ -1120,7 +1119,7 @@
           <a:p>
             <a:fld id="{322C9020-58D6-4B4B-AE71-CBBD8D6FD410}" type="datetimeFigureOut">
               <a:rPr lang="en-CH" smtClean="0"/>
-              <a:t>19.02.2024</a:t>
+              <a:t>21.02.2024</a:t>
             </a:fld>
             <a:endParaRPr lang="en-CH"/>
           </a:p>
@@ -1320,7 +1319,7 @@
           <a:p>
             <a:fld id="{322C9020-58D6-4B4B-AE71-CBBD8D6FD410}" type="datetimeFigureOut">
               <a:rPr lang="en-CH" smtClean="0"/>
-              <a:t>19.02.2024</a:t>
+              <a:t>21.02.2024</a:t>
             </a:fld>
             <a:endParaRPr lang="en-CH"/>
           </a:p>
@@ -1596,7 +1595,7 @@
           <a:p>
             <a:fld id="{322C9020-58D6-4B4B-AE71-CBBD8D6FD410}" type="datetimeFigureOut">
               <a:rPr lang="en-CH" smtClean="0"/>
-              <a:t>19.02.2024</a:t>
+              <a:t>21.02.2024</a:t>
             </a:fld>
             <a:endParaRPr lang="en-CH"/>
           </a:p>
@@ -1864,7 +1863,7 @@
           <a:p>
             <a:fld id="{322C9020-58D6-4B4B-AE71-CBBD8D6FD410}" type="datetimeFigureOut">
               <a:rPr lang="en-CH" smtClean="0"/>
-              <a:t>19.02.2024</a:t>
+              <a:t>21.02.2024</a:t>
             </a:fld>
             <a:endParaRPr lang="en-CH"/>
           </a:p>
@@ -2279,7 +2278,7 @@
           <a:p>
             <a:fld id="{322C9020-58D6-4B4B-AE71-CBBD8D6FD410}" type="datetimeFigureOut">
               <a:rPr lang="en-CH" smtClean="0"/>
-              <a:t>19.02.2024</a:t>
+              <a:t>21.02.2024</a:t>
             </a:fld>
             <a:endParaRPr lang="en-CH"/>
           </a:p>
@@ -2421,7 +2420,7 @@
           <a:p>
             <a:fld id="{322C9020-58D6-4B4B-AE71-CBBD8D6FD410}" type="datetimeFigureOut">
               <a:rPr lang="en-CH" smtClean="0"/>
-              <a:t>19.02.2024</a:t>
+              <a:t>21.02.2024</a:t>
             </a:fld>
             <a:endParaRPr lang="en-CH"/>
           </a:p>
@@ -2534,7 +2533,7 @@
           <a:p>
             <a:fld id="{322C9020-58D6-4B4B-AE71-CBBD8D6FD410}" type="datetimeFigureOut">
               <a:rPr lang="en-CH" smtClean="0"/>
-              <a:t>19.02.2024</a:t>
+              <a:t>21.02.2024</a:t>
             </a:fld>
             <a:endParaRPr lang="en-CH"/>
           </a:p>
@@ -2847,7 +2846,7 @@
           <a:p>
             <a:fld id="{322C9020-58D6-4B4B-AE71-CBBD8D6FD410}" type="datetimeFigureOut">
               <a:rPr lang="en-CH" smtClean="0"/>
-              <a:t>19.02.2024</a:t>
+              <a:t>21.02.2024</a:t>
             </a:fld>
             <a:endParaRPr lang="en-CH"/>
           </a:p>
@@ -3136,7 +3135,7 @@
           <a:p>
             <a:fld id="{322C9020-58D6-4B4B-AE71-CBBD8D6FD410}" type="datetimeFigureOut">
               <a:rPr lang="en-CH" smtClean="0"/>
-              <a:t>19.02.2024</a:t>
+              <a:t>21.02.2024</a:t>
             </a:fld>
             <a:endParaRPr lang="en-CH"/>
           </a:p>
@@ -3379,7 +3378,7 @@
           <a:p>
             <a:fld id="{322C9020-58D6-4B4B-AE71-CBBD8D6FD410}" type="datetimeFigureOut">
               <a:rPr lang="en-CH" smtClean="0"/>
-              <a:t>19.02.2024</a:t>
+              <a:t>21.02.2024</a:t>
             </a:fld>
             <a:endParaRPr lang="en-CH"/>
           </a:p>
@@ -4378,542 +4377,6 @@
       </p:grpSpPr>
       <p:sp useBgFill="1">
         <p:nvSpPr>
-          <p:cNvPr id="6151" name="Rectangle 6150">
-            <a:extLst>
-              <a:ext uri="{FF2B5EF4-FFF2-40B4-BE49-F238E27FC236}">
-                <a16:creationId xmlns:a16="http://schemas.microsoft.com/office/drawing/2014/main" id="{2B97F24A-32CE-4C1C-A50D-3016B394DCFB}"/>
-              </a:ext>
-              <a:ext uri="{C183D7F6-B498-43B3-948B-1728B52AA6E4}">
-                <adec:decorative xmlns:adec="http://schemas.microsoft.com/office/drawing/2017/decorative" val="1"/>
-              </a:ext>
-            </a:extLst>
-          </p:cNvPr>
-          <p:cNvSpPr>
-            <a:spLocks noGrp="1" noRot="1" noChangeAspect="1" noMove="1" noResize="1" noEditPoints="1" noAdjustHandles="1" noChangeArrowheads="1" noChangeShapeType="1" noTextEdit="1"/>
-          </p:cNvSpPr>
-          <p:nvPr>
-            <p:extLst>
-              <p:ext uri="{386F3935-93C4-4BCD-93E2-E3B085C9AB24}">
-                <p16:designElem xmlns:p16="http://schemas.microsoft.com/office/powerpoint/2015/main" val="1"/>
-              </p:ext>
-            </p:extLst>
-          </p:nvPr>
-        </p:nvSpPr>
-        <p:spPr>
-          <a:xfrm>
-            <a:off x="0" y="0"/>
-            <a:ext cx="12192000" cy="6858000"/>
-          </a:xfrm>
-          <a:prstGeom prst="rect">
-            <a:avLst/>
-          </a:prstGeom>
-          <a:ln>
-            <a:noFill/>
-          </a:ln>
-        </p:spPr>
-        <p:style>
-          <a:lnRef idx="2">
-            <a:schemeClr val="accent1">
-              <a:shade val="50000"/>
-            </a:schemeClr>
-          </a:lnRef>
-          <a:fillRef idx="1">
-            <a:schemeClr val="accent1"/>
-          </a:fillRef>
-          <a:effectRef idx="0">
-            <a:schemeClr val="accent1"/>
-          </a:effectRef>
-          <a:fontRef idx="minor">
-            <a:schemeClr val="lt1"/>
-          </a:fontRef>
-        </p:style>
-        <p:txBody>
-          <a:bodyPr rtlCol="0" anchor="ctr"/>
-          <a:lstStyle/>
-          <a:p>
-            <a:pPr algn="ctr"/>
-            <a:endParaRPr lang="en-US"/>
-          </a:p>
-        </p:txBody>
-      </p:sp>
-      <p:sp>
-        <p:nvSpPr>
-          <p:cNvPr id="2" name="Title 1">
-            <a:extLst>
-              <a:ext uri="{FF2B5EF4-FFF2-40B4-BE49-F238E27FC236}">
-                <a16:creationId xmlns:a16="http://schemas.microsoft.com/office/drawing/2014/main" id="{CCF2EC28-DBA6-D048-83CC-7663203900C2}"/>
-              </a:ext>
-            </a:extLst>
-          </p:cNvPr>
-          <p:cNvSpPr>
-            <a:spLocks noGrp="1"/>
-          </p:cNvSpPr>
-          <p:nvPr>
-            <p:ph type="title"/>
-          </p:nvPr>
-        </p:nvSpPr>
-        <p:spPr>
-          <a:xfrm>
-            <a:off x="630936" y="639520"/>
-            <a:ext cx="3429000" cy="1719072"/>
-          </a:xfrm>
-        </p:spPr>
-        <p:txBody>
-          <a:bodyPr anchor="b">
-            <a:normAutofit/>
-          </a:bodyPr>
-          <a:lstStyle/>
-          <a:p>
-            <a:r>
-              <a:rPr lang="en-CH" sz="5400" dirty="0"/>
-              <a:t>AWS Glue DataBrew</a:t>
-            </a:r>
-          </a:p>
-        </p:txBody>
-      </p:sp>
-      <p:sp>
-        <p:nvSpPr>
-          <p:cNvPr id="6153" name="sketch line">
-            <a:extLst>
-              <a:ext uri="{FF2B5EF4-FFF2-40B4-BE49-F238E27FC236}">
-                <a16:creationId xmlns:a16="http://schemas.microsoft.com/office/drawing/2014/main" id="{CD8B4F24-440B-49E9-B85D-733523DC064B}"/>
-              </a:ext>
-              <a:ext uri="{C183D7F6-B498-43B3-948B-1728B52AA6E4}">
-                <adec:decorative xmlns:adec="http://schemas.microsoft.com/office/drawing/2017/decorative" val="1"/>
-              </a:ext>
-            </a:extLst>
-          </p:cNvPr>
-          <p:cNvSpPr>
-            <a:spLocks noGrp="1" noRot="1" noChangeAspect="1" noMove="1" noResize="1" noEditPoints="1" noAdjustHandles="1" noChangeArrowheads="1" noChangeShapeType="1" noTextEdit="1"/>
-          </p:cNvSpPr>
-          <p:nvPr>
-            <p:extLst>
-              <p:ext uri="{386F3935-93C4-4BCD-93E2-E3B085C9AB24}">
-                <p16:designElem xmlns:p16="http://schemas.microsoft.com/office/powerpoint/2015/main" val="1"/>
-              </p:ext>
-            </p:extLst>
-          </p:nvPr>
-        </p:nvSpPr>
-        <p:spPr>
-          <a:xfrm>
-            <a:off x="643278" y="2573756"/>
-            <a:ext cx="3255095" cy="18288"/>
-          </a:xfrm>
-          <a:custGeom>
-            <a:avLst/>
-            <a:gdLst>
-              <a:gd name="connsiteX0" fmla="*/ 0 w 3255095"/>
-              <a:gd name="connsiteY0" fmla="*/ 0 h 18288"/>
-              <a:gd name="connsiteX1" fmla="*/ 618468 w 3255095"/>
-              <a:gd name="connsiteY1" fmla="*/ 0 h 18288"/>
-              <a:gd name="connsiteX2" fmla="*/ 1269487 w 3255095"/>
-              <a:gd name="connsiteY2" fmla="*/ 0 h 18288"/>
-              <a:gd name="connsiteX3" fmla="*/ 1953057 w 3255095"/>
-              <a:gd name="connsiteY3" fmla="*/ 0 h 18288"/>
-              <a:gd name="connsiteX4" fmla="*/ 2636627 w 3255095"/>
-              <a:gd name="connsiteY4" fmla="*/ 0 h 18288"/>
-              <a:gd name="connsiteX5" fmla="*/ 3255095 w 3255095"/>
-              <a:gd name="connsiteY5" fmla="*/ 0 h 18288"/>
-              <a:gd name="connsiteX6" fmla="*/ 3255095 w 3255095"/>
-              <a:gd name="connsiteY6" fmla="*/ 18288 h 18288"/>
-              <a:gd name="connsiteX7" fmla="*/ 2538974 w 3255095"/>
-              <a:gd name="connsiteY7" fmla="*/ 18288 h 18288"/>
-              <a:gd name="connsiteX8" fmla="*/ 1822853 w 3255095"/>
-              <a:gd name="connsiteY8" fmla="*/ 18288 h 18288"/>
-              <a:gd name="connsiteX9" fmla="*/ 1171834 w 3255095"/>
-              <a:gd name="connsiteY9" fmla="*/ 18288 h 18288"/>
-              <a:gd name="connsiteX10" fmla="*/ 0 w 3255095"/>
-              <a:gd name="connsiteY10" fmla="*/ 18288 h 18288"/>
-              <a:gd name="connsiteX11" fmla="*/ 0 w 3255095"/>
-              <a:gd name="connsiteY11" fmla="*/ 0 h 18288"/>
-            </a:gdLst>
-            <a:ahLst/>
-            <a:cxnLst>
-              <a:cxn ang="0">
-                <a:pos x="connsiteX0" y="connsiteY0"/>
-              </a:cxn>
-              <a:cxn ang="0">
-                <a:pos x="connsiteX1" y="connsiteY1"/>
-              </a:cxn>
-              <a:cxn ang="0">
-                <a:pos x="connsiteX2" y="connsiteY2"/>
-              </a:cxn>
-              <a:cxn ang="0">
-                <a:pos x="connsiteX3" y="connsiteY3"/>
-              </a:cxn>
-              <a:cxn ang="0">
-                <a:pos x="connsiteX4" y="connsiteY4"/>
-              </a:cxn>
-              <a:cxn ang="0">
-                <a:pos x="connsiteX5" y="connsiteY5"/>
-              </a:cxn>
-              <a:cxn ang="0">
-                <a:pos x="connsiteX6" y="connsiteY6"/>
-              </a:cxn>
-              <a:cxn ang="0">
-                <a:pos x="connsiteX7" y="connsiteY7"/>
-              </a:cxn>
-              <a:cxn ang="0">
-                <a:pos x="connsiteX8" y="connsiteY8"/>
-              </a:cxn>
-              <a:cxn ang="0">
-                <a:pos x="connsiteX9" y="connsiteY9"/>
-              </a:cxn>
-              <a:cxn ang="0">
-                <a:pos x="connsiteX10" y="connsiteY10"/>
-              </a:cxn>
-              <a:cxn ang="0">
-                <a:pos x="connsiteX11" y="connsiteY11"/>
-              </a:cxn>
-            </a:cxnLst>
-            <a:rect l="l" t="t" r="r" b="b"/>
-            <a:pathLst>
-              <a:path w="3255095" h="18288" fill="none" extrusionOk="0">
-                <a:moveTo>
-                  <a:pt x="0" y="0"/>
-                </a:moveTo>
-                <a:cubicBezTo>
-                  <a:pt x="240201" y="-22123"/>
-                  <a:pt x="462021" y="-19623"/>
-                  <a:pt x="618468" y="0"/>
-                </a:cubicBezTo>
-                <a:cubicBezTo>
-                  <a:pt x="774915" y="19623"/>
-                  <a:pt x="974734" y="2035"/>
-                  <a:pt x="1269487" y="0"/>
-                </a:cubicBezTo>
-                <a:cubicBezTo>
-                  <a:pt x="1564240" y="-2035"/>
-                  <a:pt x="1733579" y="10639"/>
-                  <a:pt x="1953057" y="0"/>
-                </a:cubicBezTo>
-                <a:cubicBezTo>
-                  <a:pt x="2172535" y="-10639"/>
-                  <a:pt x="2453962" y="14018"/>
-                  <a:pt x="2636627" y="0"/>
-                </a:cubicBezTo>
-                <a:cubicBezTo>
-                  <a:pt x="2819292" y="-14018"/>
-                  <a:pt x="3121375" y="5399"/>
-                  <a:pt x="3255095" y="0"/>
-                </a:cubicBezTo>
-                <a:cubicBezTo>
-                  <a:pt x="3254386" y="8157"/>
-                  <a:pt x="3254682" y="12125"/>
-                  <a:pt x="3255095" y="18288"/>
-                </a:cubicBezTo>
-                <a:cubicBezTo>
-                  <a:pt x="3088545" y="23203"/>
-                  <a:pt x="2687475" y="7419"/>
-                  <a:pt x="2538974" y="18288"/>
-                </a:cubicBezTo>
-                <a:cubicBezTo>
-                  <a:pt x="2390473" y="29157"/>
-                  <a:pt x="2137381" y="-8959"/>
-                  <a:pt x="1822853" y="18288"/>
-                </a:cubicBezTo>
-                <a:cubicBezTo>
-                  <a:pt x="1508325" y="45535"/>
-                  <a:pt x="1466437" y="20385"/>
-                  <a:pt x="1171834" y="18288"/>
-                </a:cubicBezTo>
-                <a:cubicBezTo>
-                  <a:pt x="877231" y="16191"/>
-                  <a:pt x="561097" y="37643"/>
-                  <a:pt x="0" y="18288"/>
-                </a:cubicBezTo>
-                <a:cubicBezTo>
-                  <a:pt x="-46" y="12483"/>
-                  <a:pt x="-203" y="6491"/>
-                  <a:pt x="0" y="0"/>
-                </a:cubicBezTo>
-                <a:close/>
-              </a:path>
-              <a:path w="3255095" h="18288" stroke="0" extrusionOk="0">
-                <a:moveTo>
-                  <a:pt x="0" y="0"/>
-                </a:moveTo>
-                <a:cubicBezTo>
-                  <a:pt x="291965" y="19429"/>
-                  <a:pt x="363155" y="8568"/>
-                  <a:pt x="618468" y="0"/>
-                </a:cubicBezTo>
-                <a:cubicBezTo>
-                  <a:pt x="873781" y="-8568"/>
-                  <a:pt x="904459" y="-19505"/>
-                  <a:pt x="1171834" y="0"/>
-                </a:cubicBezTo>
-                <a:cubicBezTo>
-                  <a:pt x="1439209" y="19505"/>
-                  <a:pt x="1744369" y="9790"/>
-                  <a:pt x="1887955" y="0"/>
-                </a:cubicBezTo>
-                <a:cubicBezTo>
-                  <a:pt x="2031541" y="-9790"/>
-                  <a:pt x="2346378" y="21240"/>
-                  <a:pt x="2506423" y="0"/>
-                </a:cubicBezTo>
-                <a:cubicBezTo>
-                  <a:pt x="2666468" y="-21240"/>
-                  <a:pt x="2990257" y="30414"/>
-                  <a:pt x="3255095" y="0"/>
-                </a:cubicBezTo>
-                <a:cubicBezTo>
-                  <a:pt x="3254831" y="4493"/>
-                  <a:pt x="3255479" y="9472"/>
-                  <a:pt x="3255095" y="18288"/>
-                </a:cubicBezTo>
-                <a:cubicBezTo>
-                  <a:pt x="3120743" y="16690"/>
-                  <a:pt x="2759628" y="42462"/>
-                  <a:pt x="2604076" y="18288"/>
-                </a:cubicBezTo>
-                <a:cubicBezTo>
-                  <a:pt x="2448524" y="-5886"/>
-                  <a:pt x="2184336" y="19599"/>
-                  <a:pt x="1887955" y="18288"/>
-                </a:cubicBezTo>
-                <a:cubicBezTo>
-                  <a:pt x="1591574" y="16977"/>
-                  <a:pt x="1548845" y="6870"/>
-                  <a:pt x="1334589" y="18288"/>
-                </a:cubicBezTo>
-                <a:cubicBezTo>
-                  <a:pt x="1120333" y="29706"/>
-                  <a:pt x="996014" y="9662"/>
-                  <a:pt x="683570" y="18288"/>
-                </a:cubicBezTo>
-                <a:cubicBezTo>
-                  <a:pt x="371126" y="26914"/>
-                  <a:pt x="198687" y="16167"/>
-                  <a:pt x="0" y="18288"/>
-                </a:cubicBezTo>
-                <a:cubicBezTo>
-                  <a:pt x="843" y="9577"/>
-                  <a:pt x="371" y="6900"/>
-                  <a:pt x="0" y="0"/>
-                </a:cubicBezTo>
-                <a:close/>
-              </a:path>
-            </a:pathLst>
-          </a:custGeom>
-          <a:solidFill>
-            <a:schemeClr val="accent2"/>
-          </a:solidFill>
-          <a:ln w="38100" cap="rnd">
-            <a:solidFill>
-              <a:schemeClr val="accent2"/>
-            </a:solidFill>
-            <a:round/>
-            <a:extLst>
-              <a:ext uri="{C807C97D-BFC1-408E-A445-0C87EB9F89A2}">
-                <ask:lineSketchStyleProps xmlns:ask="http://schemas.microsoft.com/office/drawing/2018/sketchyshapes" sd="1219033472">
-                  <a:prstGeom prst="rect">
-                    <a:avLst/>
-                  </a:prstGeom>
-                  <ask:type>
-                    <ask:lineSketchFreehand/>
-                  </ask:type>
-                </ask:lineSketchStyleProps>
-              </a:ext>
-            </a:extLst>
-          </a:ln>
-        </p:spPr>
-        <p:style>
-          <a:lnRef idx="2">
-            <a:schemeClr val="accent1">
-              <a:shade val="50000"/>
-            </a:schemeClr>
-          </a:lnRef>
-          <a:fillRef idx="1">
-            <a:schemeClr val="accent1"/>
-          </a:fillRef>
-          <a:effectRef idx="0">
-            <a:schemeClr val="accent1"/>
-          </a:effectRef>
-          <a:fontRef idx="minor">
-            <a:schemeClr val="lt1"/>
-          </a:fontRef>
-        </p:style>
-        <p:txBody>
-          <a:bodyPr rtlCol="0" anchor="ctr"/>
-          <a:lstStyle/>
-          <a:p>
-            <a:pPr algn="ctr"/>
-            <a:endParaRPr lang="en-US"/>
-          </a:p>
-        </p:txBody>
-      </p:sp>
-      <p:sp>
-        <p:nvSpPr>
-          <p:cNvPr id="3" name="Content Placeholder 2">
-            <a:extLst>
-              <a:ext uri="{FF2B5EF4-FFF2-40B4-BE49-F238E27FC236}">
-                <a16:creationId xmlns:a16="http://schemas.microsoft.com/office/drawing/2014/main" id="{6931A1DB-8704-057B-CEDA-74CFEFCC362A}"/>
-              </a:ext>
-            </a:extLst>
-          </p:cNvPr>
-          <p:cNvSpPr>
-            <a:spLocks noGrp="1"/>
-          </p:cNvSpPr>
-          <p:nvPr>
-            <p:ph idx="1"/>
-          </p:nvPr>
-        </p:nvSpPr>
-        <p:spPr>
-          <a:xfrm>
-            <a:off x="630936" y="2807208"/>
-            <a:ext cx="3429000" cy="3410712"/>
-          </a:xfrm>
-        </p:spPr>
-        <p:txBody>
-          <a:bodyPr anchor="t">
-            <a:normAutofit/>
-          </a:bodyPr>
-          <a:lstStyle/>
-          <a:p>
-            <a:r>
-              <a:rPr lang="en-GB" sz="1400" b="0" i="0" dirty="0">
-                <a:effectLst/>
-                <a:latin typeface="Amazon Ember"/>
-              </a:rPr>
-              <a:t>AWS Glue </a:t>
-            </a:r>
-            <a:r>
-              <a:rPr lang="en-GB" sz="1400" b="0" i="0" dirty="0" err="1">
-                <a:effectLst/>
-                <a:latin typeface="Amazon Ember"/>
-              </a:rPr>
-              <a:t>DataBrew</a:t>
-            </a:r>
-            <a:r>
-              <a:rPr lang="en-GB" sz="1400" b="0" i="0" dirty="0">
-                <a:effectLst/>
-                <a:latin typeface="Amazon Ember"/>
-              </a:rPr>
-              <a:t> is a visual data preparation tool that enables users to clean and normalize data without writing any code. </a:t>
-            </a:r>
-          </a:p>
-          <a:p>
-            <a:r>
-              <a:rPr lang="en-GB" sz="1400" b="0" i="0" dirty="0">
-                <a:effectLst/>
-                <a:latin typeface="Amazon Ember"/>
-              </a:rPr>
-              <a:t>Using </a:t>
-            </a:r>
-            <a:r>
-              <a:rPr lang="en-GB" sz="1400" b="0" i="0" dirty="0" err="1">
-                <a:effectLst/>
-                <a:latin typeface="Amazon Ember"/>
-              </a:rPr>
-              <a:t>DataBrew</a:t>
-            </a:r>
-            <a:r>
-              <a:rPr lang="en-GB" sz="1400" b="0" i="0" dirty="0">
-                <a:effectLst/>
-                <a:latin typeface="Amazon Ember"/>
-              </a:rPr>
-              <a:t> helps reduce the time it takes to prepare data for analytics and machine learning (ML) by up to 80 percent, compared to custom developed data preparation. </a:t>
-            </a:r>
-          </a:p>
-          <a:p>
-            <a:r>
-              <a:rPr lang="en-GB" sz="1400" b="0" i="0" dirty="0">
-                <a:effectLst/>
-                <a:latin typeface="Amazon Ember"/>
-              </a:rPr>
-              <a:t>You can choose from over 250 ready-made transformations to automate data preparation tasks, such as filtering anomalies, converting data to standard formats, and correcting invalid values.</a:t>
-            </a:r>
-          </a:p>
-        </p:txBody>
-      </p:sp>
-      <p:pic>
-        <p:nvPicPr>
-          <p:cNvPr id="6146" name="Picture 2" descr="&#10;            A simple diagram about how DataBrew works. DataBrew can visually clean, prepare, and&#10;                transform data without the need to write code. A box shows data entering DataBrew from&#10;                Amazon S3. It shows boxes for a few of the transforms that DataBrew can do. The transform&#10;                boxes include the following: Format, clean and standardize data. Restructure and&#10;                transform data. Handle missing and invalid data. Handle categorical variables.&#10;                Handle numerical variables. use natural language processing. The diagram shows that&#10;                the data is exported to S3 as a prepared dataset. &#10;        ">
-            <a:extLst>
-              <a:ext uri="{FF2B5EF4-FFF2-40B4-BE49-F238E27FC236}">
-                <a16:creationId xmlns:a16="http://schemas.microsoft.com/office/drawing/2014/main" id="{4652D5BE-860D-1808-A054-7CF3A0B50ACA}"/>
-              </a:ext>
-            </a:extLst>
-          </p:cNvPr>
-          <p:cNvPicPr>
-            <a:picLocks noChangeAspect="1" noChangeArrowheads="1"/>
-          </p:cNvPicPr>
-          <p:nvPr/>
-        </p:nvPicPr>
-        <p:blipFill>
-          <a:blip r:embed="rId2">
-            <a:extLst>
-              <a:ext uri="{28A0092B-C50C-407E-A947-70E740481C1C}">
-                <a14:useLocalDpi xmlns:a14="http://schemas.microsoft.com/office/drawing/2010/main" val="0"/>
-              </a:ext>
-            </a:extLst>
-          </a:blip>
-          <a:stretch>
-            <a:fillRect/>
-          </a:stretch>
-        </p:blipFill>
-        <p:spPr bwMode="auto">
-          <a:xfrm>
-            <a:off x="4654296" y="1815256"/>
-            <a:ext cx="6903720" cy="3227488"/>
-          </a:xfrm>
-          <a:prstGeom prst="rect">
-            <a:avLst/>
-          </a:prstGeom>
-          <a:noFill/>
-          <a:extLst>
-            <a:ext uri="{909E8E84-426E-40DD-AFC4-6F175D3DCCD1}">
-              <a14:hiddenFill xmlns:a14="http://schemas.microsoft.com/office/drawing/2010/main">
-                <a:solidFill>
-                  <a:srgbClr val="FFFFFF"/>
-                </a:solidFill>
-              </a14:hiddenFill>
-            </a:ext>
-          </a:extLst>
-        </p:spPr>
-      </p:pic>
-    </p:spTree>
-    <p:extLst>
-      <p:ext uri="{BB962C8B-B14F-4D97-AF65-F5344CB8AC3E}">
-        <p14:creationId xmlns:p14="http://schemas.microsoft.com/office/powerpoint/2010/main" val="934616548"/>
-      </p:ext>
-    </p:extLst>
-  </p:cSld>
-  <p:clrMapOvr>
-    <a:masterClrMapping/>
-  </p:clrMapOvr>
-</p:sld>
-</file>
-
-<file path=ppt/slides/slide11.xml><?xml version="1.0" encoding="utf-8"?>
-<p:sld xmlns:a="http://schemas.openxmlformats.org/drawingml/2006/main" xmlns:r="http://schemas.openxmlformats.org/officeDocument/2006/relationships" xmlns:p="http://schemas.openxmlformats.org/presentationml/2006/main">
-  <p:cSld>
-    <p:bg>
-      <p:bgPr>
-        <a:solidFill>
-          <a:schemeClr val="bg1"/>
-        </a:solidFill>
-        <a:effectLst/>
-      </p:bgPr>
-    </p:bg>
-    <p:spTree>
-      <p:nvGrpSpPr>
-        <p:cNvPr id="1" name=""/>
-        <p:cNvGrpSpPr/>
-        <p:nvPr/>
-      </p:nvGrpSpPr>
-      <p:grpSpPr>
-        <a:xfrm>
-          <a:off x="0" y="0"/>
-          <a:ext cx="0" cy="0"/>
-          <a:chOff x="0" y="0"/>
-          <a:chExt cx="0" cy="0"/>
-        </a:xfrm>
-      </p:grpSpPr>
-      <p:sp useBgFill="1">
-        <p:nvSpPr>
           <p:cNvPr id="7175" name="Rectangle 7174">
             <a:extLst>
               <a:ext uri="{FF2B5EF4-FFF2-40B4-BE49-F238E27FC236}">
@@ -5309,22 +4772,32 @@
           <a:lstStyle/>
           <a:p>
             <a:r>
-              <a:rPr lang="en-GB" sz="1700" b="0" i="0">
+              <a:rPr lang="en-GB" sz="1700" b="1" i="0" dirty="0">
+                <a:effectLst/>
+                <a:highlight>
+                  <a:srgbClr val="00FF00"/>
+                </a:highlight>
+                <a:latin typeface="Amazon Ember"/>
+              </a:rPr>
+              <a:t>You can create streaming extract, transform, and load (ETL) jobs that run continuously, consume data from streaming sources </a:t>
+            </a:r>
+            <a:r>
+              <a:rPr lang="en-GB" sz="1700" b="0" i="0" dirty="0">
                 <a:effectLst/>
                 <a:latin typeface="Amazon Ember"/>
               </a:rPr>
-              <a:t>You can create streaming extract, transform, and load (ETL) jobs that run continuously, consume data from streaming sources like Amazon Kinesis Data Streams, Apache Kafka, and Amazon Managed Streaming for Apache Kafka (Amazon MSK). </a:t>
+              <a:t>like Amazon Kinesis Data Streams, Apache Kafka, and Amazon Managed Streaming for Apache Kafka (Amazon MSK). </a:t>
             </a:r>
           </a:p>
           <a:p>
             <a:r>
-              <a:rPr lang="en-GB" sz="1700" b="0" i="0">
+              <a:rPr lang="en-GB" sz="1700" b="0" i="0" dirty="0">
                 <a:effectLst/>
                 <a:latin typeface="Amazon Ember"/>
               </a:rPr>
               <a:t>The jobs cleanse and transform the data, and then load the results into Amazon S3 data lakes or JDBC data stores.</a:t>
             </a:r>
-            <a:endParaRPr lang="en-CH" sz="1700"/>
+            <a:endParaRPr lang="en-CH" sz="1700" dirty="0"/>
           </a:p>
         </p:txBody>
       </p:sp>
@@ -5387,7 +4860,7 @@
 </p:sld>
 </file>
 
-<file path=ppt/slides/slide12.xml><?xml version="1.0" encoding="utf-8"?>
+<file path=ppt/slides/slide11.xml><?xml version="1.0" encoding="utf-8"?>
 <p:sld xmlns:a="http://schemas.openxmlformats.org/drawingml/2006/main" xmlns:r="http://schemas.openxmlformats.org/officeDocument/2006/relationships" xmlns:p="http://schemas.openxmlformats.org/presentationml/2006/main">
   <p:cSld>
     <p:bg>
@@ -5798,8 +5271,8 @@
         </p:nvSpPr>
         <p:spPr>
           <a:xfrm>
-            <a:off x="630936" y="2700811"/>
-            <a:ext cx="3704894" cy="4014881"/>
+            <a:off x="133224" y="2598101"/>
+            <a:ext cx="4723391" cy="4063326"/>
           </a:xfrm>
         </p:spPr>
         <p:txBody>
@@ -5809,18 +5282,19 @@
           <a:lstStyle/>
           <a:p>
             <a:r>
-              <a:rPr lang="en-GB" sz="1200" b="0" i="0" dirty="0">
+              <a:rPr lang="en-GB" sz="1400" b="1" i="0" dirty="0">
                 <a:effectLst/>
-                <a:latin typeface="Amazon Ember"/>
+                <a:highlight>
+                  <a:srgbClr val="00FF00"/>
+                </a:highlight>
               </a:rPr>
               <a:t>AWS Glue Studio is a graphical interface that makes it easy to create, run, and monitor extract, transform, and load (ETL) jobs in AWS Glue. </a:t>
             </a:r>
           </a:p>
           <a:p>
             <a:r>
-              <a:rPr lang="en-GB" sz="1200" b="0" i="0" dirty="0">
+              <a:rPr lang="en-GB" sz="1400" b="0" i="0" dirty="0">
                 <a:effectLst/>
-                <a:latin typeface="Amazon Ember"/>
               </a:rPr>
               <a:t>You can visually compose data transformation workflows, seamlessly run them on AWS Glue’s Apache Spark-based serverless ETL engine and inspect the schema and data results in each step of the job.</a:t>
             </a:r>
@@ -5828,12 +5302,11 @@
           <a:p>
             <a:pPr algn="l"/>
             <a:r>
-              <a:rPr lang="en-GB" sz="1200" b="0" i="0" dirty="0">
+              <a:rPr lang="en-GB" sz="1400" b="0" i="0" dirty="0">
                 <a:solidFill>
                   <a:srgbClr val="16191F"/>
                 </a:solidFill>
                 <a:effectLst/>
-                <a:latin typeface="Amazon Ember"/>
               </a:rPr>
               <a:t>AWS Glue Studio provides a visual interface that makes it easy to:</a:t>
             </a:r>
@@ -5841,12 +5314,11 @@
           <a:p>
             <a:pPr lvl="1"/>
             <a:r>
-              <a:rPr lang="en-GB" sz="1200" b="0" i="0" dirty="0">
+              <a:rPr lang="en-GB" sz="1400" b="0" i="0" dirty="0">
                 <a:solidFill>
                   <a:srgbClr val="16191F"/>
                 </a:solidFill>
                 <a:effectLst/>
-                <a:latin typeface="Amazon Ember"/>
               </a:rPr>
               <a:t>Pull data from an Amazon S3, Amazon Kinesis, or JDBC source.</a:t>
             </a:r>
@@ -5854,12 +5326,11 @@
           <a:p>
             <a:pPr lvl="1"/>
             <a:r>
-              <a:rPr lang="en-GB" sz="1200" b="0" i="0" dirty="0">
+              <a:rPr lang="en-GB" sz="1400" b="0" i="0" dirty="0">
                 <a:solidFill>
                   <a:srgbClr val="16191F"/>
                 </a:solidFill>
                 <a:effectLst/>
-                <a:latin typeface="Amazon Ember"/>
               </a:rPr>
               <a:t>Configure a transformation that joins, samples, or transforms the data.</a:t>
             </a:r>
@@ -5867,12 +5338,11 @@
           <a:p>
             <a:pPr lvl="1"/>
             <a:r>
-              <a:rPr lang="en-GB" sz="1200" b="0" i="0" dirty="0">
+              <a:rPr lang="en-GB" sz="1400" b="0" i="0" dirty="0">
                 <a:solidFill>
                   <a:srgbClr val="16191F"/>
                 </a:solidFill>
                 <a:effectLst/>
-                <a:latin typeface="Amazon Ember"/>
               </a:rPr>
               <a:t>Specify a target location for the transformed data.</a:t>
             </a:r>
@@ -5880,12 +5350,11 @@
           <a:p>
             <a:pPr lvl="1"/>
             <a:r>
-              <a:rPr lang="en-GB" sz="1200" b="0" i="0" dirty="0">
+              <a:rPr lang="en-GB" sz="1400" b="0" i="0" dirty="0">
                 <a:solidFill>
                   <a:srgbClr val="16191F"/>
                 </a:solidFill>
                 <a:effectLst/>
-                <a:latin typeface="Amazon Ember"/>
               </a:rPr>
               <a:t>View the schema or a sample of the dataset at each point in the job.</a:t>
             </a:r>
@@ -5893,19 +5362,18 @@
           <a:p>
             <a:pPr lvl="1"/>
             <a:r>
-              <a:rPr lang="en-GB" sz="1200" b="0" i="0" dirty="0">
+              <a:rPr lang="en-GB" sz="1400" b="0" i="0" dirty="0">
                 <a:solidFill>
                   <a:srgbClr val="16191F"/>
                 </a:solidFill>
                 <a:effectLst/>
-                <a:latin typeface="Amazon Ember"/>
               </a:rPr>
               <a:t>Run, monitor, and manage the jobs created in AWS Glue Studio.</a:t>
             </a:r>
             <a:br>
-              <a:rPr lang="en-GB" sz="1200" dirty="0"/>
+              <a:rPr lang="en-GB" sz="1400" dirty="0"/>
             </a:br>
-            <a:endParaRPr lang="en-CH" sz="1200" dirty="0"/>
+            <a:endParaRPr lang="en-CH" sz="1400" dirty="0"/>
           </a:p>
         </p:txBody>
       </p:sp>
@@ -5937,7 +5405,7 @@
         </p:blipFill>
         <p:spPr bwMode="auto">
           <a:xfrm>
-            <a:off x="4654296" y="831475"/>
+            <a:off x="5155056" y="831475"/>
             <a:ext cx="6903720" cy="5195049"/>
           </a:xfrm>
           <a:prstGeom prst="rect">
@@ -5968,7 +5436,7 @@
 </p:sld>
 </file>
 
-<file path=ppt/slides/slide13.xml><?xml version="1.0" encoding="utf-8"?>
+<file path=ppt/slides/slide12.xml><?xml version="1.0" encoding="utf-8"?>
 <p:sld xmlns:a="http://schemas.openxmlformats.org/drawingml/2006/main" xmlns:r="http://schemas.openxmlformats.org/officeDocument/2006/relationships" xmlns:p="http://schemas.openxmlformats.org/presentationml/2006/main">
   <p:cSld>
     <p:bg>
@@ -6761,28 +6229,24 @@
             <a:r>
               <a:rPr lang="en-GB" sz="1700" b="1" i="0" dirty="0">
                 <a:effectLst/>
-                <a:latin typeface="Söhne"/>
               </a:rPr>
               <a:t>Data Lake Creation and Management</a:t>
             </a:r>
             <a:r>
               <a:rPr lang="en-GB" sz="1700" b="0" i="0" dirty="0">
                 <a:effectLst/>
-                <a:latin typeface="Söhne"/>
               </a:rPr>
               <a:t>: Organizations can employ AWS Glue for data lake creation and management, where it helps in discovering, </a:t>
             </a:r>
             <a:r>
               <a:rPr lang="en-GB" sz="1700" b="0" i="0" dirty="0" err="1">
                 <a:effectLst/>
-                <a:latin typeface="Söhne"/>
               </a:rPr>
               <a:t>cataloging</a:t>
             </a:r>
             <a:r>
               <a:rPr lang="en-GB" sz="1700" b="0" i="0" dirty="0">
                 <a:effectLst/>
-                <a:latin typeface="Söhne"/>
               </a:rPr>
               <a:t>, and preparing large volumes of data from various sources, enabling a centralized repository for analytics and big data processing.</a:t>
             </a:r>
@@ -6795,14 +6259,12 @@
             <a:r>
               <a:rPr lang="en-GB" sz="1700" b="1" i="0" dirty="0">
                 <a:effectLst/>
-                <a:latin typeface="Söhne"/>
               </a:rPr>
               <a:t>ETL Processes for Business Intelligence</a:t>
             </a:r>
             <a:r>
               <a:rPr lang="en-GB" sz="1700" b="0" i="0" dirty="0">
                 <a:effectLst/>
-                <a:latin typeface="Söhne"/>
               </a:rPr>
               <a:t>: Companies can use AWS Glue to facilitate ETL (Extract, Transform, Load) processes, transforming disparate data into a format suitable for analytical tools, thereby enhancing business intelligence and helping decision-makers gain better insights from their data.</a:t>
             </a:r>
@@ -6815,14 +6277,12 @@
             <a:r>
               <a:rPr lang="en-GB" sz="1700" b="1" i="0" dirty="0">
                 <a:effectLst/>
-                <a:latin typeface="Söhne"/>
               </a:rPr>
               <a:t>Real-time Analytics for E-commerce</a:t>
             </a:r>
             <a:r>
               <a:rPr lang="en-GB" sz="1700" b="0" i="0" dirty="0">
                 <a:effectLst/>
-                <a:latin typeface="Söhne"/>
               </a:rPr>
               <a:t>: E-commerce platforms can utilize AWS Glue for real-time analytics, streamlining the process of data preparation and loading data into data warehouses swiftly, which aids in deriving actionable insights to enhance customer experiences and optimize business strategies.</a:t>
             </a:r>
@@ -6835,14 +6295,12 @@
             <a:r>
               <a:rPr lang="en-GB" sz="1700" b="1" i="0" dirty="0">
                 <a:effectLst/>
-                <a:latin typeface="Söhne"/>
               </a:rPr>
               <a:t>Data Migration to the Cloud</a:t>
             </a:r>
             <a:r>
               <a:rPr lang="en-GB" sz="1700" b="0" i="0" dirty="0">
                 <a:effectLst/>
-                <a:latin typeface="Söhne"/>
               </a:rPr>
               <a:t>: Businesses undergoing digital transformation can leverage AWS Glue to migrate on-premises data warehouses to cloud-native data services smoothly, aiding in the transition process by simplifying data discovery, transformation, and data schema version management.</a:t>
             </a:r>
@@ -6855,14 +6313,12 @@
             <a:r>
               <a:rPr lang="en-GB" sz="1700" b="1" i="0" dirty="0">
                 <a:effectLst/>
-                <a:latin typeface="Söhne"/>
               </a:rPr>
               <a:t>Healthcare Data Harmonization</a:t>
             </a:r>
             <a:r>
               <a:rPr lang="en-GB" sz="1700" b="0" i="0" dirty="0">
                 <a:effectLst/>
-                <a:latin typeface="Söhne"/>
               </a:rPr>
               <a:t>: Healthcare organizations can use AWS Glue to harmonize disparate healthcare data, facilitating the creation of a unified patient view and enhancing data interoperability, which enables more informed decision-making in medical care and research.</a:t>
             </a:r>
@@ -7294,7 +6750,7 @@
         <p:spPr>
           <a:xfrm>
             <a:off x="630935" y="2807208"/>
-            <a:ext cx="4510293" cy="3410712"/>
+            <a:ext cx="4934188" cy="3410712"/>
           </a:xfrm>
         </p:spPr>
         <p:txBody>
@@ -7354,8 +6810,8 @@
         </p:blipFill>
         <p:spPr bwMode="auto">
           <a:xfrm>
-            <a:off x="4654296" y="1185291"/>
-            <a:ext cx="6903720" cy="4487418"/>
+            <a:off x="6809237" y="1888667"/>
+            <a:ext cx="4739485" cy="3080665"/>
           </a:xfrm>
           <a:prstGeom prst="rect">
             <a:avLst/>
@@ -7386,6 +6842,1071 @@
 </file>
 
 <file path=ppt/slides/slide3.xml><?xml version="1.0" encoding="utf-8"?>
+<p:sld xmlns:a="http://schemas.openxmlformats.org/drawingml/2006/main" xmlns:r="http://schemas.openxmlformats.org/officeDocument/2006/relationships" xmlns:p="http://schemas.openxmlformats.org/presentationml/2006/main">
+  <p:cSld>
+    <p:bg>
+      <p:bgPr>
+        <a:solidFill>
+          <a:schemeClr val="bg1"/>
+        </a:solidFill>
+        <a:effectLst/>
+      </p:bgPr>
+    </p:bg>
+    <p:spTree>
+      <p:nvGrpSpPr>
+        <p:cNvPr id="1" name=""/>
+        <p:cNvGrpSpPr/>
+        <p:nvPr/>
+      </p:nvGrpSpPr>
+      <p:grpSpPr>
+        <a:xfrm>
+          <a:off x="0" y="0"/>
+          <a:ext cx="0" cy="0"/>
+          <a:chOff x="0" y="0"/>
+          <a:chExt cx="0" cy="0"/>
+        </a:xfrm>
+      </p:grpSpPr>
+      <p:sp useBgFill="1">
+        <p:nvSpPr>
+          <p:cNvPr id="8" name="Rectangle 7">
+            <a:extLst>
+              <a:ext uri="{FF2B5EF4-FFF2-40B4-BE49-F238E27FC236}">
+                <a16:creationId xmlns:a16="http://schemas.microsoft.com/office/drawing/2014/main" id="{100EDD19-6802-4EC3-95CE-CFFAB042CFD6}"/>
+              </a:ext>
+              <a:ext uri="{C183D7F6-B498-43B3-948B-1728B52AA6E4}">
+                <adec:decorative xmlns:adec="http://schemas.microsoft.com/office/drawing/2017/decorative" val="1"/>
+              </a:ext>
+            </a:extLst>
+          </p:cNvPr>
+          <p:cNvSpPr>
+            <a:spLocks noGrp="1" noRot="1" noChangeAspect="1" noMove="1" noResize="1" noEditPoints="1" noAdjustHandles="1" noChangeArrowheads="1" noChangeShapeType="1" noTextEdit="1"/>
+          </p:cNvSpPr>
+          <p:nvPr>
+            <p:extLst>
+              <p:ext uri="{386F3935-93C4-4BCD-93E2-E3B085C9AB24}">
+                <p16:designElem xmlns:p16="http://schemas.microsoft.com/office/powerpoint/2015/main" val="1"/>
+              </p:ext>
+            </p:extLst>
+          </p:nvPr>
+        </p:nvSpPr>
+        <p:spPr>
+          <a:xfrm>
+            <a:off x="0" y="0"/>
+            <a:ext cx="12188952" cy="6858000"/>
+          </a:xfrm>
+          <a:prstGeom prst="rect">
+            <a:avLst/>
+          </a:prstGeom>
+          <a:ln>
+            <a:noFill/>
+          </a:ln>
+        </p:spPr>
+        <p:style>
+          <a:lnRef idx="2">
+            <a:schemeClr val="accent1">
+              <a:shade val="50000"/>
+            </a:schemeClr>
+          </a:lnRef>
+          <a:fillRef idx="1">
+            <a:schemeClr val="accent1"/>
+          </a:fillRef>
+          <a:effectRef idx="0">
+            <a:schemeClr val="accent1"/>
+          </a:effectRef>
+          <a:fontRef idx="minor">
+            <a:schemeClr val="lt1"/>
+          </a:fontRef>
+        </p:style>
+        <p:txBody>
+          <a:bodyPr rtlCol="0" anchor="ctr"/>
+          <a:lstStyle/>
+          <a:p>
+            <a:pPr algn="ctr"/>
+            <a:endParaRPr lang="en-US"/>
+          </a:p>
+        </p:txBody>
+      </p:sp>
+      <p:sp>
+        <p:nvSpPr>
+          <p:cNvPr id="2" name="Title 1">
+            <a:extLst>
+              <a:ext uri="{FF2B5EF4-FFF2-40B4-BE49-F238E27FC236}">
+                <a16:creationId xmlns:a16="http://schemas.microsoft.com/office/drawing/2014/main" id="{D9D2C8A1-9A04-59FE-F50A-9E1A63849947}"/>
+              </a:ext>
+            </a:extLst>
+          </p:cNvPr>
+          <p:cNvSpPr>
+            <a:spLocks noGrp="1"/>
+          </p:cNvSpPr>
+          <p:nvPr>
+            <p:ph type="title"/>
+          </p:nvPr>
+        </p:nvSpPr>
+        <p:spPr>
+          <a:xfrm>
+            <a:off x="838200" y="365125"/>
+            <a:ext cx="10515600" cy="1325563"/>
+          </a:xfrm>
+        </p:spPr>
+        <p:txBody>
+          <a:bodyPr>
+            <a:normAutofit/>
+          </a:bodyPr>
+          <a:lstStyle/>
+          <a:p>
+            <a:r>
+              <a:rPr lang="en-US" sz="5400" kern="1200">
+                <a:latin typeface="+mj-lt"/>
+                <a:ea typeface="+mj-ea"/>
+                <a:cs typeface="+mj-cs"/>
+              </a:rPr>
+              <a:t>AWS Glue Data Catalog: Components</a:t>
+            </a:r>
+            <a:endParaRPr lang="en-CH" sz="5400"/>
+          </a:p>
+        </p:txBody>
+      </p:sp>
+      <p:sp>
+        <p:nvSpPr>
+          <p:cNvPr id="10" name="sketch line">
+            <a:extLst>
+              <a:ext uri="{FF2B5EF4-FFF2-40B4-BE49-F238E27FC236}">
+                <a16:creationId xmlns:a16="http://schemas.microsoft.com/office/drawing/2014/main" id="{DB17E863-922E-4C26-BD64-E8FD41D28661}"/>
+              </a:ext>
+              <a:ext uri="{C183D7F6-B498-43B3-948B-1728B52AA6E4}">
+                <adec:decorative xmlns:adec="http://schemas.microsoft.com/office/drawing/2017/decorative" val="1"/>
+              </a:ext>
+            </a:extLst>
+          </p:cNvPr>
+          <p:cNvSpPr>
+            <a:spLocks noGrp="1" noRot="1" noChangeAspect="1" noMove="1" noResize="1" noEditPoints="1" noAdjustHandles="1" noChangeArrowheads="1" noChangeShapeType="1" noTextEdit="1"/>
+          </p:cNvSpPr>
+          <p:nvPr>
+            <p:extLst>
+              <p:ext uri="{386F3935-93C4-4BCD-93E2-E3B085C9AB24}">
+                <p16:designElem xmlns:p16="http://schemas.microsoft.com/office/powerpoint/2015/main" val="1"/>
+              </p:ext>
+            </p:extLst>
+          </p:nvPr>
+        </p:nvSpPr>
+        <p:spPr>
+          <a:xfrm>
+            <a:off x="669036" y="1677373"/>
+            <a:ext cx="10853928" cy="18288"/>
+          </a:xfrm>
+          <a:custGeom>
+            <a:avLst/>
+            <a:gdLst>
+              <a:gd name="connsiteX0" fmla="*/ 0 w 10853928"/>
+              <a:gd name="connsiteY0" fmla="*/ 0 h 18288"/>
+              <a:gd name="connsiteX1" fmla="*/ 461292 w 10853928"/>
+              <a:gd name="connsiteY1" fmla="*/ 0 h 18288"/>
+              <a:gd name="connsiteX2" fmla="*/ 1139662 w 10853928"/>
+              <a:gd name="connsiteY2" fmla="*/ 0 h 18288"/>
+              <a:gd name="connsiteX3" fmla="*/ 1926572 w 10853928"/>
+              <a:gd name="connsiteY3" fmla="*/ 0 h 18288"/>
+              <a:gd name="connsiteX4" fmla="*/ 2279325 w 10853928"/>
+              <a:gd name="connsiteY4" fmla="*/ 0 h 18288"/>
+              <a:gd name="connsiteX5" fmla="*/ 2632078 w 10853928"/>
+              <a:gd name="connsiteY5" fmla="*/ 0 h 18288"/>
+              <a:gd name="connsiteX6" fmla="*/ 3527527 w 10853928"/>
+              <a:gd name="connsiteY6" fmla="*/ 0 h 18288"/>
+              <a:gd name="connsiteX7" fmla="*/ 4205897 w 10853928"/>
+              <a:gd name="connsiteY7" fmla="*/ 0 h 18288"/>
+              <a:gd name="connsiteX8" fmla="*/ 4558650 w 10853928"/>
+              <a:gd name="connsiteY8" fmla="*/ 0 h 18288"/>
+              <a:gd name="connsiteX9" fmla="*/ 5237020 w 10853928"/>
+              <a:gd name="connsiteY9" fmla="*/ 0 h 18288"/>
+              <a:gd name="connsiteX10" fmla="*/ 6132469 w 10853928"/>
+              <a:gd name="connsiteY10" fmla="*/ 0 h 18288"/>
+              <a:gd name="connsiteX11" fmla="*/ 6702301 w 10853928"/>
+              <a:gd name="connsiteY11" fmla="*/ 0 h 18288"/>
+              <a:gd name="connsiteX12" fmla="*/ 7272132 w 10853928"/>
+              <a:gd name="connsiteY12" fmla="*/ 0 h 18288"/>
+              <a:gd name="connsiteX13" fmla="*/ 7950502 w 10853928"/>
+              <a:gd name="connsiteY13" fmla="*/ 0 h 18288"/>
+              <a:gd name="connsiteX14" fmla="*/ 8737412 w 10853928"/>
+              <a:gd name="connsiteY14" fmla="*/ 0 h 18288"/>
+              <a:gd name="connsiteX15" fmla="*/ 9524322 w 10853928"/>
+              <a:gd name="connsiteY15" fmla="*/ 0 h 18288"/>
+              <a:gd name="connsiteX16" fmla="*/ 10853928 w 10853928"/>
+              <a:gd name="connsiteY16" fmla="*/ 0 h 18288"/>
+              <a:gd name="connsiteX17" fmla="*/ 10853928 w 10853928"/>
+              <a:gd name="connsiteY17" fmla="*/ 18288 h 18288"/>
+              <a:gd name="connsiteX18" fmla="*/ 10392636 w 10853928"/>
+              <a:gd name="connsiteY18" fmla="*/ 18288 h 18288"/>
+              <a:gd name="connsiteX19" fmla="*/ 9497187 w 10853928"/>
+              <a:gd name="connsiteY19" fmla="*/ 18288 h 18288"/>
+              <a:gd name="connsiteX20" fmla="*/ 8818817 w 10853928"/>
+              <a:gd name="connsiteY20" fmla="*/ 18288 h 18288"/>
+              <a:gd name="connsiteX21" fmla="*/ 8466064 w 10853928"/>
+              <a:gd name="connsiteY21" fmla="*/ 18288 h 18288"/>
+              <a:gd name="connsiteX22" fmla="*/ 7787693 w 10853928"/>
+              <a:gd name="connsiteY22" fmla="*/ 18288 h 18288"/>
+              <a:gd name="connsiteX23" fmla="*/ 7217862 w 10853928"/>
+              <a:gd name="connsiteY23" fmla="*/ 18288 h 18288"/>
+              <a:gd name="connsiteX24" fmla="*/ 6648031 w 10853928"/>
+              <a:gd name="connsiteY24" fmla="*/ 18288 h 18288"/>
+              <a:gd name="connsiteX25" fmla="*/ 6078200 w 10853928"/>
+              <a:gd name="connsiteY25" fmla="*/ 18288 h 18288"/>
+              <a:gd name="connsiteX26" fmla="*/ 5508368 w 10853928"/>
+              <a:gd name="connsiteY26" fmla="*/ 18288 h 18288"/>
+              <a:gd name="connsiteX27" fmla="*/ 4721459 w 10853928"/>
+              <a:gd name="connsiteY27" fmla="*/ 18288 h 18288"/>
+              <a:gd name="connsiteX28" fmla="*/ 4043088 w 10853928"/>
+              <a:gd name="connsiteY28" fmla="*/ 18288 h 18288"/>
+              <a:gd name="connsiteX29" fmla="*/ 3690336 w 10853928"/>
+              <a:gd name="connsiteY29" fmla="*/ 18288 h 18288"/>
+              <a:gd name="connsiteX30" fmla="*/ 3120504 w 10853928"/>
+              <a:gd name="connsiteY30" fmla="*/ 18288 h 18288"/>
+              <a:gd name="connsiteX31" fmla="*/ 2333595 w 10853928"/>
+              <a:gd name="connsiteY31" fmla="*/ 18288 h 18288"/>
+              <a:gd name="connsiteX32" fmla="*/ 1872303 w 10853928"/>
+              <a:gd name="connsiteY32" fmla="*/ 18288 h 18288"/>
+              <a:gd name="connsiteX33" fmla="*/ 976854 w 10853928"/>
+              <a:gd name="connsiteY33" fmla="*/ 18288 h 18288"/>
+              <a:gd name="connsiteX34" fmla="*/ 0 w 10853928"/>
+              <a:gd name="connsiteY34" fmla="*/ 18288 h 18288"/>
+              <a:gd name="connsiteX35" fmla="*/ 0 w 10853928"/>
+              <a:gd name="connsiteY35" fmla="*/ 0 h 18288"/>
+            </a:gdLst>
+            <a:ahLst/>
+            <a:cxnLst>
+              <a:cxn ang="0">
+                <a:pos x="connsiteX0" y="connsiteY0"/>
+              </a:cxn>
+              <a:cxn ang="0">
+                <a:pos x="connsiteX1" y="connsiteY1"/>
+              </a:cxn>
+              <a:cxn ang="0">
+                <a:pos x="connsiteX2" y="connsiteY2"/>
+              </a:cxn>
+              <a:cxn ang="0">
+                <a:pos x="connsiteX3" y="connsiteY3"/>
+              </a:cxn>
+              <a:cxn ang="0">
+                <a:pos x="connsiteX4" y="connsiteY4"/>
+              </a:cxn>
+              <a:cxn ang="0">
+                <a:pos x="connsiteX5" y="connsiteY5"/>
+              </a:cxn>
+              <a:cxn ang="0">
+                <a:pos x="connsiteX6" y="connsiteY6"/>
+              </a:cxn>
+              <a:cxn ang="0">
+                <a:pos x="connsiteX7" y="connsiteY7"/>
+              </a:cxn>
+              <a:cxn ang="0">
+                <a:pos x="connsiteX8" y="connsiteY8"/>
+              </a:cxn>
+              <a:cxn ang="0">
+                <a:pos x="connsiteX9" y="connsiteY9"/>
+              </a:cxn>
+              <a:cxn ang="0">
+                <a:pos x="connsiteX10" y="connsiteY10"/>
+              </a:cxn>
+              <a:cxn ang="0">
+                <a:pos x="connsiteX11" y="connsiteY11"/>
+              </a:cxn>
+              <a:cxn ang="0">
+                <a:pos x="connsiteX12" y="connsiteY12"/>
+              </a:cxn>
+              <a:cxn ang="0">
+                <a:pos x="connsiteX13" y="connsiteY13"/>
+              </a:cxn>
+              <a:cxn ang="0">
+                <a:pos x="connsiteX14" y="connsiteY14"/>
+              </a:cxn>
+              <a:cxn ang="0">
+                <a:pos x="connsiteX15" y="connsiteY15"/>
+              </a:cxn>
+              <a:cxn ang="0">
+                <a:pos x="connsiteX16" y="connsiteY16"/>
+              </a:cxn>
+              <a:cxn ang="0">
+                <a:pos x="connsiteX17" y="connsiteY17"/>
+              </a:cxn>
+              <a:cxn ang="0">
+                <a:pos x="connsiteX18" y="connsiteY18"/>
+              </a:cxn>
+              <a:cxn ang="0">
+                <a:pos x="connsiteX19" y="connsiteY19"/>
+              </a:cxn>
+              <a:cxn ang="0">
+                <a:pos x="connsiteX20" y="connsiteY20"/>
+              </a:cxn>
+              <a:cxn ang="0">
+                <a:pos x="connsiteX21" y="connsiteY21"/>
+              </a:cxn>
+              <a:cxn ang="0">
+                <a:pos x="connsiteX22" y="connsiteY22"/>
+              </a:cxn>
+              <a:cxn ang="0">
+                <a:pos x="connsiteX23" y="connsiteY23"/>
+              </a:cxn>
+              <a:cxn ang="0">
+                <a:pos x="connsiteX24" y="connsiteY24"/>
+              </a:cxn>
+              <a:cxn ang="0">
+                <a:pos x="connsiteX25" y="connsiteY25"/>
+              </a:cxn>
+              <a:cxn ang="0">
+                <a:pos x="connsiteX26" y="connsiteY26"/>
+              </a:cxn>
+              <a:cxn ang="0">
+                <a:pos x="connsiteX27" y="connsiteY27"/>
+              </a:cxn>
+              <a:cxn ang="0">
+                <a:pos x="connsiteX28" y="connsiteY28"/>
+              </a:cxn>
+              <a:cxn ang="0">
+                <a:pos x="connsiteX29" y="connsiteY29"/>
+              </a:cxn>
+              <a:cxn ang="0">
+                <a:pos x="connsiteX30" y="connsiteY30"/>
+              </a:cxn>
+              <a:cxn ang="0">
+                <a:pos x="connsiteX31" y="connsiteY31"/>
+              </a:cxn>
+              <a:cxn ang="0">
+                <a:pos x="connsiteX32" y="connsiteY32"/>
+              </a:cxn>
+              <a:cxn ang="0">
+                <a:pos x="connsiteX33" y="connsiteY33"/>
+              </a:cxn>
+              <a:cxn ang="0">
+                <a:pos x="connsiteX34" y="connsiteY34"/>
+              </a:cxn>
+              <a:cxn ang="0">
+                <a:pos x="connsiteX35" y="connsiteY35"/>
+              </a:cxn>
+            </a:cxnLst>
+            <a:rect l="l" t="t" r="r" b="b"/>
+            <a:pathLst>
+              <a:path w="10853928" h="18288" fill="none" extrusionOk="0">
+                <a:moveTo>
+                  <a:pt x="0" y="0"/>
+                </a:moveTo>
+                <a:cubicBezTo>
+                  <a:pt x="146993" y="-19076"/>
+                  <a:pt x="347684" y="-4790"/>
+                  <a:pt x="461292" y="0"/>
+                </a:cubicBezTo>
+                <a:cubicBezTo>
+                  <a:pt x="574900" y="4790"/>
+                  <a:pt x="808367" y="19821"/>
+                  <a:pt x="1139662" y="0"/>
+                </a:cubicBezTo>
+                <a:cubicBezTo>
+                  <a:pt x="1470957" y="-19821"/>
+                  <a:pt x="1627405" y="5721"/>
+                  <a:pt x="1926572" y="0"/>
+                </a:cubicBezTo>
+                <a:cubicBezTo>
+                  <a:pt x="2225739" y="-5721"/>
+                  <a:pt x="2137730" y="-3235"/>
+                  <a:pt x="2279325" y="0"/>
+                </a:cubicBezTo>
+                <a:cubicBezTo>
+                  <a:pt x="2420920" y="3235"/>
+                  <a:pt x="2456518" y="9685"/>
+                  <a:pt x="2632078" y="0"/>
+                </a:cubicBezTo>
+                <a:cubicBezTo>
+                  <a:pt x="2807638" y="-9685"/>
+                  <a:pt x="3211516" y="-43007"/>
+                  <a:pt x="3527527" y="0"/>
+                </a:cubicBezTo>
+                <a:cubicBezTo>
+                  <a:pt x="3843538" y="43007"/>
+                  <a:pt x="4058833" y="22042"/>
+                  <a:pt x="4205897" y="0"/>
+                </a:cubicBezTo>
+                <a:cubicBezTo>
+                  <a:pt x="4352961" y="-22042"/>
+                  <a:pt x="4474805" y="-11846"/>
+                  <a:pt x="4558650" y="0"/>
+                </a:cubicBezTo>
+                <a:cubicBezTo>
+                  <a:pt x="4642495" y="11846"/>
+                  <a:pt x="5041928" y="-6069"/>
+                  <a:pt x="5237020" y="0"/>
+                </a:cubicBezTo>
+                <a:cubicBezTo>
+                  <a:pt x="5432112" y="6069"/>
+                  <a:pt x="5943266" y="-17479"/>
+                  <a:pt x="6132469" y="0"/>
+                </a:cubicBezTo>
+                <a:cubicBezTo>
+                  <a:pt x="6321672" y="17479"/>
+                  <a:pt x="6483872" y="26234"/>
+                  <a:pt x="6702301" y="0"/>
+                </a:cubicBezTo>
+                <a:cubicBezTo>
+                  <a:pt x="6920730" y="-26234"/>
+                  <a:pt x="6991194" y="-15156"/>
+                  <a:pt x="7272132" y="0"/>
+                </a:cubicBezTo>
+                <a:cubicBezTo>
+                  <a:pt x="7553070" y="15156"/>
+                  <a:pt x="7684444" y="-32961"/>
+                  <a:pt x="7950502" y="0"/>
+                </a:cubicBezTo>
+                <a:cubicBezTo>
+                  <a:pt x="8216560" y="32961"/>
+                  <a:pt x="8493290" y="-10491"/>
+                  <a:pt x="8737412" y="0"/>
+                </a:cubicBezTo>
+                <a:cubicBezTo>
+                  <a:pt x="8981534" y="10491"/>
+                  <a:pt x="9191586" y="-13899"/>
+                  <a:pt x="9524322" y="0"/>
+                </a:cubicBezTo>
+                <a:cubicBezTo>
+                  <a:pt x="9857058" y="13899"/>
+                  <a:pt x="10297509" y="7485"/>
+                  <a:pt x="10853928" y="0"/>
+                </a:cubicBezTo>
+                <a:cubicBezTo>
+                  <a:pt x="10854574" y="4451"/>
+                  <a:pt x="10854418" y="9226"/>
+                  <a:pt x="10853928" y="18288"/>
+                </a:cubicBezTo>
+                <a:cubicBezTo>
+                  <a:pt x="10691638" y="28522"/>
+                  <a:pt x="10574319" y="29578"/>
+                  <a:pt x="10392636" y="18288"/>
+                </a:cubicBezTo>
+                <a:cubicBezTo>
+                  <a:pt x="10210953" y="6998"/>
+                  <a:pt x="9836277" y="-16742"/>
+                  <a:pt x="9497187" y="18288"/>
+                </a:cubicBezTo>
+                <a:cubicBezTo>
+                  <a:pt x="9158097" y="53318"/>
+                  <a:pt x="9119479" y="30714"/>
+                  <a:pt x="8818817" y="18288"/>
+                </a:cubicBezTo>
+                <a:cubicBezTo>
+                  <a:pt x="8518155" y="5863"/>
+                  <a:pt x="8640037" y="6483"/>
+                  <a:pt x="8466064" y="18288"/>
+                </a:cubicBezTo>
+                <a:cubicBezTo>
+                  <a:pt x="8292091" y="30093"/>
+                  <a:pt x="7997656" y="18914"/>
+                  <a:pt x="7787693" y="18288"/>
+                </a:cubicBezTo>
+                <a:cubicBezTo>
+                  <a:pt x="7577730" y="17662"/>
+                  <a:pt x="7412468" y="21416"/>
+                  <a:pt x="7217862" y="18288"/>
+                </a:cubicBezTo>
+                <a:cubicBezTo>
+                  <a:pt x="7023256" y="15160"/>
+                  <a:pt x="6898018" y="14824"/>
+                  <a:pt x="6648031" y="18288"/>
+                </a:cubicBezTo>
+                <a:cubicBezTo>
+                  <a:pt x="6398044" y="21752"/>
+                  <a:pt x="6254402" y="38625"/>
+                  <a:pt x="6078200" y="18288"/>
+                </a:cubicBezTo>
+                <a:cubicBezTo>
+                  <a:pt x="5901998" y="-2049"/>
+                  <a:pt x="5622886" y="3213"/>
+                  <a:pt x="5508368" y="18288"/>
+                </a:cubicBezTo>
+                <a:cubicBezTo>
+                  <a:pt x="5393850" y="33363"/>
+                  <a:pt x="5036260" y="26830"/>
+                  <a:pt x="4721459" y="18288"/>
+                </a:cubicBezTo>
+                <a:cubicBezTo>
+                  <a:pt x="4406658" y="9746"/>
+                  <a:pt x="4239221" y="41551"/>
+                  <a:pt x="4043088" y="18288"/>
+                </a:cubicBezTo>
+                <a:cubicBezTo>
+                  <a:pt x="3846955" y="-4975"/>
+                  <a:pt x="3818802" y="34658"/>
+                  <a:pt x="3690336" y="18288"/>
+                </a:cubicBezTo>
+                <a:cubicBezTo>
+                  <a:pt x="3561870" y="1918"/>
+                  <a:pt x="3265491" y="42194"/>
+                  <a:pt x="3120504" y="18288"/>
+                </a:cubicBezTo>
+                <a:cubicBezTo>
+                  <a:pt x="2975517" y="-5618"/>
+                  <a:pt x="2720254" y="36673"/>
+                  <a:pt x="2333595" y="18288"/>
+                </a:cubicBezTo>
+                <a:cubicBezTo>
+                  <a:pt x="1946936" y="-97"/>
+                  <a:pt x="2097241" y="5776"/>
+                  <a:pt x="1872303" y="18288"/>
+                </a:cubicBezTo>
+                <a:cubicBezTo>
+                  <a:pt x="1647365" y="30800"/>
+                  <a:pt x="1282708" y="45380"/>
+                  <a:pt x="976854" y="18288"/>
+                </a:cubicBezTo>
+                <a:cubicBezTo>
+                  <a:pt x="671000" y="-8804"/>
+                  <a:pt x="408401" y="-12775"/>
+                  <a:pt x="0" y="18288"/>
+                </a:cubicBezTo>
+                <a:cubicBezTo>
+                  <a:pt x="-213" y="9468"/>
+                  <a:pt x="187" y="4459"/>
+                  <a:pt x="0" y="0"/>
+                </a:cubicBezTo>
+                <a:close/>
+              </a:path>
+              <a:path w="10853928" h="18288" stroke="0" extrusionOk="0">
+                <a:moveTo>
+                  <a:pt x="0" y="0"/>
+                </a:moveTo>
+                <a:cubicBezTo>
+                  <a:pt x="267322" y="15284"/>
+                  <a:pt x="415388" y="-21048"/>
+                  <a:pt x="569831" y="0"/>
+                </a:cubicBezTo>
+                <a:cubicBezTo>
+                  <a:pt x="724274" y="21048"/>
+                  <a:pt x="769333" y="-2353"/>
+                  <a:pt x="922584" y="0"/>
+                </a:cubicBezTo>
+                <a:cubicBezTo>
+                  <a:pt x="1075835" y="2353"/>
+                  <a:pt x="1399490" y="-145"/>
+                  <a:pt x="1818033" y="0"/>
+                </a:cubicBezTo>
+                <a:cubicBezTo>
+                  <a:pt x="2236576" y="145"/>
+                  <a:pt x="2145330" y="5482"/>
+                  <a:pt x="2387864" y="0"/>
+                </a:cubicBezTo>
+                <a:cubicBezTo>
+                  <a:pt x="2630398" y="-5482"/>
+                  <a:pt x="2793207" y="18487"/>
+                  <a:pt x="2957695" y="0"/>
+                </a:cubicBezTo>
+                <a:cubicBezTo>
+                  <a:pt x="3122183" y="-18487"/>
+                  <a:pt x="3579141" y="19003"/>
+                  <a:pt x="3853144" y="0"/>
+                </a:cubicBezTo>
+                <a:cubicBezTo>
+                  <a:pt x="4127147" y="-19003"/>
+                  <a:pt x="4209857" y="12211"/>
+                  <a:pt x="4314436" y="0"/>
+                </a:cubicBezTo>
+                <a:cubicBezTo>
+                  <a:pt x="4419015" y="-12211"/>
+                  <a:pt x="4762459" y="-17220"/>
+                  <a:pt x="5209885" y="0"/>
+                </a:cubicBezTo>
+                <a:cubicBezTo>
+                  <a:pt x="5657311" y="17220"/>
+                  <a:pt x="5692663" y="-3290"/>
+                  <a:pt x="6105335" y="0"/>
+                </a:cubicBezTo>
+                <a:cubicBezTo>
+                  <a:pt x="6518007" y="3290"/>
+                  <a:pt x="6455516" y="-5124"/>
+                  <a:pt x="6783705" y="0"/>
+                </a:cubicBezTo>
+                <a:cubicBezTo>
+                  <a:pt x="7111894" y="5124"/>
+                  <a:pt x="7441941" y="-17829"/>
+                  <a:pt x="7679154" y="0"/>
+                </a:cubicBezTo>
+                <a:cubicBezTo>
+                  <a:pt x="7916367" y="17829"/>
+                  <a:pt x="8102967" y="-24363"/>
+                  <a:pt x="8248985" y="0"/>
+                </a:cubicBezTo>
+                <a:cubicBezTo>
+                  <a:pt x="8395003" y="24363"/>
+                  <a:pt x="8552393" y="25505"/>
+                  <a:pt x="8818817" y="0"/>
+                </a:cubicBezTo>
+                <a:cubicBezTo>
+                  <a:pt x="9085241" y="-25505"/>
+                  <a:pt x="9411308" y="38000"/>
+                  <a:pt x="9605726" y="0"/>
+                </a:cubicBezTo>
+                <a:cubicBezTo>
+                  <a:pt x="9800144" y="-38000"/>
+                  <a:pt x="10006468" y="-25741"/>
+                  <a:pt x="10175558" y="0"/>
+                </a:cubicBezTo>
+                <a:cubicBezTo>
+                  <a:pt x="10344648" y="25741"/>
+                  <a:pt x="10696282" y="695"/>
+                  <a:pt x="10853928" y="0"/>
+                </a:cubicBezTo>
+                <a:cubicBezTo>
+                  <a:pt x="10853521" y="8690"/>
+                  <a:pt x="10853774" y="14141"/>
+                  <a:pt x="10853928" y="18288"/>
+                </a:cubicBezTo>
+                <a:cubicBezTo>
+                  <a:pt x="10608124" y="24255"/>
+                  <a:pt x="10343415" y="22307"/>
+                  <a:pt x="10067018" y="18288"/>
+                </a:cubicBezTo>
+                <a:cubicBezTo>
+                  <a:pt x="9790621" y="14270"/>
+                  <a:pt x="9843266" y="3564"/>
+                  <a:pt x="9714266" y="18288"/>
+                </a:cubicBezTo>
+                <a:cubicBezTo>
+                  <a:pt x="9585266" y="33012"/>
+                  <a:pt x="9379484" y="1875"/>
+                  <a:pt x="9252974" y="18288"/>
+                </a:cubicBezTo>
+                <a:cubicBezTo>
+                  <a:pt x="9126464" y="34701"/>
+                  <a:pt x="8580678" y="-4904"/>
+                  <a:pt x="8357525" y="18288"/>
+                </a:cubicBezTo>
+                <a:cubicBezTo>
+                  <a:pt x="8134372" y="41480"/>
+                  <a:pt x="7903199" y="26458"/>
+                  <a:pt x="7679154" y="18288"/>
+                </a:cubicBezTo>
+                <a:cubicBezTo>
+                  <a:pt x="7455109" y="10118"/>
+                  <a:pt x="7435944" y="27109"/>
+                  <a:pt x="7217862" y="18288"/>
+                </a:cubicBezTo>
+                <a:cubicBezTo>
+                  <a:pt x="6999780" y="9467"/>
+                  <a:pt x="6680409" y="18985"/>
+                  <a:pt x="6539492" y="18288"/>
+                </a:cubicBezTo>
+                <a:cubicBezTo>
+                  <a:pt x="6398575" y="17592"/>
+                  <a:pt x="6312077" y="33018"/>
+                  <a:pt x="6186739" y="18288"/>
+                </a:cubicBezTo>
+                <a:cubicBezTo>
+                  <a:pt x="6061401" y="3558"/>
+                  <a:pt x="5947033" y="12075"/>
+                  <a:pt x="5833986" y="18288"/>
+                </a:cubicBezTo>
+                <a:cubicBezTo>
+                  <a:pt x="5720939" y="24501"/>
+                  <a:pt x="5482226" y="8586"/>
+                  <a:pt x="5155616" y="18288"/>
+                </a:cubicBezTo>
+                <a:cubicBezTo>
+                  <a:pt x="4829006" y="27991"/>
+                  <a:pt x="4841274" y="29316"/>
+                  <a:pt x="4694324" y="18288"/>
+                </a:cubicBezTo>
+                <a:cubicBezTo>
+                  <a:pt x="4547374" y="7260"/>
+                  <a:pt x="4077675" y="7013"/>
+                  <a:pt x="3907414" y="18288"/>
+                </a:cubicBezTo>
+                <a:cubicBezTo>
+                  <a:pt x="3737153" y="29564"/>
+                  <a:pt x="3538393" y="21630"/>
+                  <a:pt x="3446122" y="18288"/>
+                </a:cubicBezTo>
+                <a:cubicBezTo>
+                  <a:pt x="3353851" y="14946"/>
+                  <a:pt x="2990320" y="-8091"/>
+                  <a:pt x="2659212" y="18288"/>
+                </a:cubicBezTo>
+                <a:cubicBezTo>
+                  <a:pt x="2328104" y="44667"/>
+                  <a:pt x="2427653" y="9607"/>
+                  <a:pt x="2306460" y="18288"/>
+                </a:cubicBezTo>
+                <a:cubicBezTo>
+                  <a:pt x="2185267" y="26969"/>
+                  <a:pt x="1719763" y="3717"/>
+                  <a:pt x="1519550" y="18288"/>
+                </a:cubicBezTo>
+                <a:cubicBezTo>
+                  <a:pt x="1319337" y="32860"/>
+                  <a:pt x="1167371" y="17040"/>
+                  <a:pt x="1058258" y="18288"/>
+                </a:cubicBezTo>
+                <a:cubicBezTo>
+                  <a:pt x="949145" y="19536"/>
+                  <a:pt x="780234" y="31447"/>
+                  <a:pt x="705505" y="18288"/>
+                </a:cubicBezTo>
+                <a:cubicBezTo>
+                  <a:pt x="630776" y="5129"/>
+                  <a:pt x="215796" y="30056"/>
+                  <a:pt x="0" y="18288"/>
+                </a:cubicBezTo>
+                <a:cubicBezTo>
+                  <a:pt x="-53" y="11301"/>
+                  <a:pt x="-649" y="7756"/>
+                  <a:pt x="0" y="0"/>
+                </a:cubicBezTo>
+                <a:close/>
+              </a:path>
+            </a:pathLst>
+          </a:custGeom>
+          <a:solidFill>
+            <a:schemeClr val="accent2"/>
+          </a:solidFill>
+          <a:ln w="41275" cap="rnd">
+            <a:solidFill>
+              <a:schemeClr val="accent2"/>
+            </a:solidFill>
+            <a:round/>
+            <a:extLst>
+              <a:ext uri="{C807C97D-BFC1-408E-A445-0C87EB9F89A2}">
+                <ask:lineSketchStyleProps xmlns:ask="http://schemas.microsoft.com/office/drawing/2018/sketchyshapes" sd="1219033472">
+                  <a:prstGeom prst="rect">
+                    <a:avLst/>
+                  </a:prstGeom>
+                  <ask:type>
+                    <ask:lineSketchFreehand/>
+                  </ask:type>
+                </ask:lineSketchStyleProps>
+              </a:ext>
+            </a:extLst>
+          </a:ln>
+        </p:spPr>
+        <p:style>
+          <a:lnRef idx="2">
+            <a:schemeClr val="accent1">
+              <a:shade val="50000"/>
+            </a:schemeClr>
+          </a:lnRef>
+          <a:fillRef idx="1">
+            <a:schemeClr val="accent1"/>
+          </a:fillRef>
+          <a:effectRef idx="0">
+            <a:schemeClr val="accent1"/>
+          </a:effectRef>
+          <a:fontRef idx="minor">
+            <a:schemeClr val="lt1"/>
+          </a:fontRef>
+        </p:style>
+        <p:txBody>
+          <a:bodyPr rtlCol="0" anchor="ctr"/>
+          <a:lstStyle/>
+          <a:p>
+            <a:pPr algn="ctr"/>
+            <a:endParaRPr lang="en-US"/>
+          </a:p>
+        </p:txBody>
+      </p:sp>
+      <p:sp>
+        <p:nvSpPr>
+          <p:cNvPr id="3" name="Content Placeholder 2">
+            <a:extLst>
+              <a:ext uri="{FF2B5EF4-FFF2-40B4-BE49-F238E27FC236}">
+                <a16:creationId xmlns:a16="http://schemas.microsoft.com/office/drawing/2014/main" id="{DB2E8532-DA9A-944C-2727-6FC5DD6DEF54}"/>
+              </a:ext>
+            </a:extLst>
+          </p:cNvPr>
+          <p:cNvSpPr>
+            <a:spLocks noGrp="1"/>
+          </p:cNvSpPr>
+          <p:nvPr>
+            <p:ph idx="1"/>
+          </p:nvPr>
+        </p:nvSpPr>
+        <p:spPr>
+          <a:xfrm>
+            <a:off x="454173" y="1792588"/>
+            <a:ext cx="11638918" cy="4904817"/>
+          </a:xfrm>
+        </p:spPr>
+        <p:txBody>
+          <a:bodyPr>
+            <a:noAutofit/>
+          </a:bodyPr>
+          <a:lstStyle/>
+          <a:p>
+            <a:r>
+              <a:rPr lang="en-GB" sz="1000" b="1" i="0" dirty="0">
+                <a:effectLst/>
+                <a:highlight>
+                  <a:srgbClr val="FFFF00"/>
+                </a:highlight>
+              </a:rPr>
+              <a:t>Databases and Tables</a:t>
+            </a:r>
+          </a:p>
+          <a:p>
+            <a:pPr lvl="1"/>
+            <a:r>
+              <a:rPr lang="en-GB" sz="1000" dirty="0"/>
+              <a:t>Makes up Data </a:t>
+            </a:r>
+            <a:r>
+              <a:rPr lang="en-GB" sz="1000" dirty="0" err="1"/>
+              <a:t>Catalog</a:t>
+            </a:r>
+            <a:r>
+              <a:rPr lang="en-GB" sz="1000" dirty="0"/>
+              <a:t>. </a:t>
+            </a:r>
+            <a:r>
+              <a:rPr lang="en-GB" sz="1000" i="0" dirty="0">
+                <a:effectLst/>
+              </a:rPr>
+              <a:t> A Table can only exist in one Database. Your Database can contain Tables from any of the AWS Glue-supported sources.</a:t>
+            </a:r>
+          </a:p>
+          <a:p>
+            <a:r>
+              <a:rPr lang="en-GB" sz="1000" b="1" i="0" dirty="0">
+                <a:effectLst/>
+                <a:highlight>
+                  <a:srgbClr val="FFFF00"/>
+                </a:highlight>
+              </a:rPr>
+              <a:t>Crawlers and Classifiers</a:t>
+            </a:r>
+          </a:p>
+          <a:p>
+            <a:pPr lvl="1"/>
+            <a:r>
+              <a:rPr lang="en-GB" sz="1000" i="0" dirty="0">
+                <a:effectLst/>
+              </a:rPr>
+              <a:t>A Crawler assists in the creation and updating of Data </a:t>
+            </a:r>
+            <a:r>
+              <a:rPr lang="en-GB" sz="1000" i="0" dirty="0" err="1">
+                <a:effectLst/>
+              </a:rPr>
+              <a:t>Catalog</a:t>
+            </a:r>
+            <a:r>
+              <a:rPr lang="en-GB" sz="1000" i="0" dirty="0">
+                <a:effectLst/>
+              </a:rPr>
+              <a:t> Tables. It has the ability to crawl both file-based and table-based data stores.</a:t>
+            </a:r>
+          </a:p>
+          <a:p>
+            <a:pPr lvl="2"/>
+            <a:r>
+              <a:rPr lang="en-GB" sz="1000" i="0" dirty="0">
+                <a:effectLst/>
+              </a:rPr>
+              <a:t>Crawlers can crawl the following data stores via their native interfaces:</a:t>
+            </a:r>
+          </a:p>
+          <a:p>
+            <a:pPr lvl="3"/>
+            <a:r>
+              <a:rPr lang="en-GB" sz="1000" i="0" dirty="0">
+                <a:effectLst/>
+              </a:rPr>
+              <a:t>Amazon S3</a:t>
+            </a:r>
+          </a:p>
+          <a:p>
+            <a:pPr lvl="3"/>
+            <a:r>
+              <a:rPr lang="en-GB" sz="1000" i="0" dirty="0">
+                <a:effectLst/>
+              </a:rPr>
+              <a:t>DynamoDB</a:t>
+            </a:r>
+          </a:p>
+          <a:p>
+            <a:pPr lvl="2"/>
+            <a:r>
+              <a:rPr lang="en-GB" sz="1000" i="0" dirty="0">
+                <a:effectLst/>
+              </a:rPr>
+              <a:t>Crawlers can crawl the following data stores via a JDBC connection:</a:t>
+            </a:r>
+          </a:p>
+          <a:p>
+            <a:pPr lvl="3"/>
+            <a:r>
+              <a:rPr lang="en-GB" sz="1000" i="0" dirty="0">
+                <a:effectLst/>
+              </a:rPr>
+              <a:t>Redshift, RDS, Aurora</a:t>
+            </a:r>
+          </a:p>
+          <a:p>
+            <a:pPr lvl="1"/>
+            <a:r>
+              <a:rPr lang="en-GB" sz="1000" i="0" dirty="0">
+                <a:effectLst/>
+              </a:rPr>
+              <a:t>A Classifier in the AWS Glue crawler recognizes the data format and generates the schema. AWS Glue comes with a set of built-in classifiers, but you can also create your own Custom Classifiers.</a:t>
+            </a:r>
+          </a:p>
+          <a:p>
+            <a:r>
+              <a:rPr lang="en-GB" sz="1000" b="1" i="0" dirty="0">
+                <a:effectLst/>
+                <a:highlight>
+                  <a:srgbClr val="FFFF00"/>
+                </a:highlight>
+              </a:rPr>
+              <a:t>Connections</a:t>
+            </a:r>
+          </a:p>
+          <a:p>
+            <a:pPr lvl="1"/>
+            <a:r>
+              <a:rPr lang="en-GB" sz="1000" i="0" dirty="0">
+                <a:effectLst/>
+              </a:rPr>
+              <a:t>Connections allow you to centralize connection information such as login credentials and virtual private cloud (VPC) IDs. </a:t>
+            </a:r>
+          </a:p>
+          <a:p>
+            <a:pPr lvl="1"/>
+            <a:r>
+              <a:rPr lang="en-GB" sz="1000" i="0" dirty="0">
+                <a:effectLst/>
+              </a:rPr>
+              <a:t>This saves time because you don’t have to input connection information each time you create a crawler or job. </a:t>
+            </a:r>
+          </a:p>
+          <a:p>
+            <a:pPr lvl="1"/>
+            <a:r>
+              <a:rPr lang="en-GB" sz="1000" i="0" dirty="0">
+                <a:effectLst/>
+              </a:rPr>
+              <a:t>The following Connection types are available: </a:t>
+            </a:r>
+          </a:p>
+          <a:p>
+            <a:pPr lvl="2"/>
+            <a:r>
+              <a:rPr lang="en-GB" sz="1000" i="0" dirty="0">
+                <a:effectLst/>
+              </a:rPr>
+              <a:t>JDBC Amazon RDS Redshift Amazon </a:t>
+            </a:r>
+            <a:r>
+              <a:rPr lang="en-GB" sz="1000" i="0" dirty="0" err="1">
+                <a:effectLst/>
+              </a:rPr>
+              <a:t>DocumentDB</a:t>
+            </a:r>
+            <a:r>
+              <a:rPr lang="en-GB" sz="1000" i="0" dirty="0">
+                <a:effectLst/>
+              </a:rPr>
+              <a:t>, Network (designates a connection to a data source within a VPC environment on AWS)</a:t>
+            </a:r>
+          </a:p>
+          <a:p>
+            <a:r>
+              <a:rPr lang="en-GB" sz="1000" b="1" i="0" dirty="0">
+                <a:effectLst/>
+                <a:highlight>
+                  <a:srgbClr val="FFFF00"/>
+                </a:highlight>
+              </a:rPr>
+              <a:t>AWS Glue Schema Registry</a:t>
+            </a:r>
+          </a:p>
+          <a:p>
+            <a:pPr lvl="1"/>
+            <a:r>
+              <a:rPr lang="en-GB" sz="1000" dirty="0"/>
+              <a:t>The AWS Glue Schema Registry allows disparate systems to share a serialization and deserialization schema. Assume you have a data producer and a data consumer, for example. Whenever the serialized data is published, the producer is aware of the schema. The consumer makes use of the Schema Registry </a:t>
+            </a:r>
+            <a:r>
+              <a:rPr lang="en-GB" sz="1000" dirty="0" err="1"/>
+              <a:t>deserializer</a:t>
+            </a:r>
+            <a:r>
+              <a:rPr lang="en-GB" sz="1000" dirty="0"/>
+              <a:t> library, which extracts the schema version ID from the record payload. The schema is then used by the consumer to deserialize the data.</a:t>
+            </a:r>
+          </a:p>
+          <a:p>
+            <a:pPr lvl="1"/>
+            <a:r>
+              <a:rPr lang="en-GB" sz="1000" i="0" dirty="0">
+                <a:effectLst/>
+              </a:rPr>
+              <a:t>you can manage and enforce schemas on your data streaming applications using convenient integrations with the following data input sources:</a:t>
+            </a:r>
+          </a:p>
+          <a:p>
+            <a:pPr lvl="2"/>
+            <a:r>
+              <a:rPr lang="en-GB" sz="1000" i="0" dirty="0">
+                <a:effectLst/>
+              </a:rPr>
+              <a:t>Apache Kafka, Amazon Managed Streaming for Apache Kafka, Amazon Kinesis Data Streams, Amazon Kinesis Data Analytics for Apache </a:t>
+            </a:r>
+            <a:r>
+              <a:rPr lang="en-GB" sz="1000" i="0" dirty="0" err="1">
+                <a:effectLst/>
+              </a:rPr>
+              <a:t>Flink</a:t>
+            </a:r>
+            <a:r>
+              <a:rPr lang="en-GB" sz="1000" i="0" dirty="0">
+                <a:effectLst/>
+              </a:rPr>
+              <a:t>, AWS Lambda</a:t>
+            </a:r>
+          </a:p>
+          <a:p>
+            <a:pPr lvl="1"/>
+            <a:r>
+              <a:rPr lang="en-GB" sz="1000" i="0" dirty="0">
+                <a:effectLst/>
+              </a:rPr>
+              <a:t>Schema Registry consists of the following components:</a:t>
+            </a:r>
+          </a:p>
+          <a:p>
+            <a:pPr lvl="2"/>
+            <a:r>
+              <a:rPr lang="en-GB" sz="1000" i="0" dirty="0">
+                <a:effectLst/>
+              </a:rPr>
+              <a:t>Schemas: A Schema is a representation of the structure and format of a data record.</a:t>
+            </a:r>
+          </a:p>
+          <a:p>
+            <a:pPr lvl="2"/>
+            <a:r>
+              <a:rPr lang="en-GB" sz="1000" i="0" dirty="0">
+                <a:effectLst/>
+              </a:rPr>
+              <a:t>Registry: A Registry is a logical container for schemas. You can use registries to organize your schemas and manage access control for your applications.</a:t>
+            </a:r>
+          </a:p>
+        </p:txBody>
+      </p:sp>
+    </p:spTree>
+    <p:extLst>
+      <p:ext uri="{BB962C8B-B14F-4D97-AF65-F5344CB8AC3E}">
+        <p14:creationId xmlns:p14="http://schemas.microsoft.com/office/powerpoint/2010/main" val="3151521128"/>
+      </p:ext>
+    </p:extLst>
+  </p:cSld>
+  <p:clrMapOvr>
+    <a:masterClrMapping/>
+  </p:clrMapOvr>
+</p:sld>
+</file>
+
+<file path=ppt/slides/slide4.xml><?xml version="1.0" encoding="utf-8"?>
 <p:sld xmlns:a="http://schemas.openxmlformats.org/drawingml/2006/main" xmlns:r="http://schemas.openxmlformats.org/officeDocument/2006/relationships" xmlns:p="http://schemas.openxmlformats.org/presentationml/2006/main">
   <p:cSld>
     <p:bg>
@@ -25329,7 +25850,7 @@
         </p:nvSpPr>
         <p:spPr>
           <a:xfrm>
-            <a:off x="1137034" y="609597"/>
+            <a:off x="1186877" y="365496"/>
             <a:ext cx="9392421" cy="1330841"/>
           </a:xfrm>
         </p:spPr>
@@ -25364,8 +25885,8 @@
         </p:nvSpPr>
         <p:spPr>
           <a:xfrm>
-            <a:off x="274063" y="1814476"/>
-            <a:ext cx="5635698" cy="4875359"/>
+            <a:off x="274062" y="1814476"/>
+            <a:ext cx="5856415" cy="4875359"/>
           </a:xfrm>
         </p:spPr>
         <p:txBody>
@@ -25386,7 +25907,7 @@
               <a:t>For data store sources, you define a </a:t>
             </a:r>
             <a:r>
-              <a:rPr lang="en-GB" sz="1600" b="0" i="1" dirty="0">
+              <a:rPr lang="en-GB" sz="1600" b="1" i="1" dirty="0">
                 <a:effectLst/>
                 <a:latin typeface="Amazon Ember"/>
               </a:rPr>
@@ -25420,14 +25941,14 @@
               <a:buChar char="•"/>
             </a:pPr>
             <a:r>
-              <a:rPr lang="en-GB" sz="1600" b="0" i="0" dirty="0">
+              <a:rPr lang="en-GB" sz="1600" b="1" i="0" dirty="0">
                 <a:effectLst/>
                 <a:latin typeface="Amazon Ember"/>
               </a:rPr>
               <a:t>You point your crawler at a data store, and the crawler creates table definitions in the Data </a:t>
             </a:r>
             <a:r>
-              <a:rPr lang="en-GB" sz="1600" b="0" i="0" dirty="0" err="1">
+              <a:rPr lang="en-GB" sz="1600" b="1" i="0" dirty="0" err="1">
                 <a:effectLst/>
                 <a:latin typeface="Amazon Ember"/>
               </a:rPr>
@@ -25492,7 +26013,21 @@
                 <a:effectLst/>
                 <a:latin typeface="Amazon Ember"/>
               </a:rPr>
-              <a:t> contains other metadata that is required to define ETL jobs. You use this metadata when you define a job to transform your data.</a:t>
+              <a:t> contains other metadata that is required to define ETL jobs. </a:t>
+            </a:r>
+            <a:r>
+              <a:rPr lang="en-GB" sz="1600" b="1" i="0" dirty="0">
+                <a:effectLst/>
+                <a:latin typeface="Amazon Ember"/>
+              </a:rPr>
+              <a:t>You use this metadata when you define a job to transform your data</a:t>
+            </a:r>
+            <a:r>
+              <a:rPr lang="en-GB" sz="1600" b="0" i="0" dirty="0">
+                <a:effectLst/>
+                <a:latin typeface="Amazon Ember"/>
+              </a:rPr>
+              <a:t>.</a:t>
             </a:r>
           </a:p>
           <a:p>
@@ -25501,11 +26036,18 @@
               <a:buChar char="•"/>
             </a:pPr>
             <a:r>
-              <a:rPr lang="en-GB" sz="1600" b="0" i="0" dirty="0">
+              <a:rPr lang="en-GB" sz="1600" b="1" i="0" dirty="0">
                 <a:effectLst/>
                 <a:latin typeface="Amazon Ember"/>
               </a:rPr>
-              <a:t>AWS Glue can generate a script to transform your data. Or, you can provide the script in the AWS Glue console or API.</a:t>
+              <a:t>AWS Glue can generate a script to transform your data</a:t>
+            </a:r>
+            <a:r>
+              <a:rPr lang="en-GB" sz="1600" i="0" dirty="0">
+                <a:effectLst/>
+                <a:latin typeface="Amazon Ember"/>
+              </a:rPr>
+              <a:t>. Or, you can provide the script in the AWS Glue console or API.</a:t>
             </a:r>
           </a:p>
           <a:p>
@@ -25521,7 +26063,7 @@
               <a:t>You can run your job on demand, or you can set it up to start when a specified </a:t>
             </a:r>
             <a:r>
-              <a:rPr lang="en-GB" sz="1600" b="0" i="1" dirty="0">
+              <a:rPr lang="en-GB" sz="1600" b="1" i="1" dirty="0">
                 <a:effectLst/>
                 <a:latin typeface="Amazon Ember"/>
               </a:rPr>
@@ -25578,7 +26120,7 @@
         </p:blipFill>
         <p:spPr bwMode="auto">
           <a:xfrm>
-            <a:off x="6335585" y="1940438"/>
+            <a:off x="6556302" y="1904105"/>
             <a:ext cx="5635698" cy="4226773"/>
           </a:xfrm>
           <a:prstGeom prst="rect">
@@ -27428,552 +27970,6 @@
 </p:sld>
 </file>
 
-<file path=ppt/slides/slide4.xml><?xml version="1.0" encoding="utf-8"?>
-<p:sld xmlns:a="http://schemas.openxmlformats.org/drawingml/2006/main" xmlns:r="http://schemas.openxmlformats.org/officeDocument/2006/relationships" xmlns:p="http://schemas.openxmlformats.org/presentationml/2006/main">
-  <p:cSld>
-    <p:bg>
-      <p:bgPr>
-        <a:solidFill>
-          <a:schemeClr val="bg1"/>
-        </a:solidFill>
-        <a:effectLst/>
-      </p:bgPr>
-    </p:bg>
-    <p:spTree>
-      <p:nvGrpSpPr>
-        <p:cNvPr id="1" name=""/>
-        <p:cNvGrpSpPr/>
-        <p:nvPr/>
-      </p:nvGrpSpPr>
-      <p:grpSpPr>
-        <a:xfrm>
-          <a:off x="0" y="0"/>
-          <a:ext cx="0" cy="0"/>
-          <a:chOff x="0" y="0"/>
-          <a:chExt cx="0" cy="0"/>
-        </a:xfrm>
-      </p:grpSpPr>
-      <p:sp>
-        <p:nvSpPr>
-          <p:cNvPr id="13" name="Rectangle 12">
-            <a:extLst>
-              <a:ext uri="{FF2B5EF4-FFF2-40B4-BE49-F238E27FC236}">
-                <a16:creationId xmlns:a16="http://schemas.microsoft.com/office/drawing/2014/main" id="{21739CA5-F0F5-48E1-8E8C-F24B71827E46}"/>
-              </a:ext>
-              <a:ext uri="{C183D7F6-B498-43B3-948B-1728B52AA6E4}">
-                <adec:decorative xmlns:adec="http://schemas.microsoft.com/office/drawing/2017/decorative" val="1"/>
-              </a:ext>
-            </a:extLst>
-          </p:cNvPr>
-          <p:cNvSpPr>
-            <a:spLocks noGrp="1" noRot="1" noChangeAspect="1" noMove="1" noResize="1" noEditPoints="1" noAdjustHandles="1" noChangeArrowheads="1" noChangeShapeType="1" noTextEdit="1"/>
-          </p:cNvSpPr>
-          <p:nvPr>
-            <p:extLst>
-              <p:ext uri="{386F3935-93C4-4BCD-93E2-E3B085C9AB24}">
-                <p16:designElem xmlns:p16="http://schemas.microsoft.com/office/powerpoint/2015/main" val="1"/>
-              </p:ext>
-            </p:extLst>
-          </p:nvPr>
-        </p:nvSpPr>
-        <p:spPr>
-          <a:xfrm>
-            <a:off x="0" y="-3324"/>
-            <a:ext cx="12192000" cy="6861324"/>
-          </a:xfrm>
-          <a:prstGeom prst="rect">
-            <a:avLst/>
-          </a:prstGeom>
-          <a:solidFill>
-            <a:srgbClr val="C8CACA"/>
-          </a:solidFill>
-          <a:ln>
-            <a:noFill/>
-          </a:ln>
-        </p:spPr>
-        <p:style>
-          <a:lnRef idx="2">
-            <a:schemeClr val="accent1">
-              <a:shade val="50000"/>
-            </a:schemeClr>
-          </a:lnRef>
-          <a:fillRef idx="1">
-            <a:schemeClr val="accent1"/>
-          </a:fillRef>
-          <a:effectRef idx="0">
-            <a:schemeClr val="accent1"/>
-          </a:effectRef>
-          <a:fontRef idx="minor">
-            <a:schemeClr val="lt1"/>
-          </a:fontRef>
-        </p:style>
-        <p:txBody>
-          <a:bodyPr rtlCol="0" anchor="ctr"/>
-          <a:lstStyle/>
-          <a:p>
-            <a:pPr algn="ctr"/>
-            <a:endParaRPr lang="en-US"/>
-          </a:p>
-        </p:txBody>
-      </p:sp>
-      <p:sp>
-        <p:nvSpPr>
-          <p:cNvPr id="23" name="Rounded Rectangle 3">
-            <a:extLst>
-              <a:ext uri="{FF2B5EF4-FFF2-40B4-BE49-F238E27FC236}">
-                <a16:creationId xmlns:a16="http://schemas.microsoft.com/office/drawing/2014/main" id="{3EAD2937-F230-41D4-B9C5-975B129BFC20}"/>
-              </a:ext>
-              <a:ext uri="{C183D7F6-B498-43B3-948B-1728B52AA6E4}">
-                <adec:decorative xmlns:adec="http://schemas.microsoft.com/office/drawing/2017/decorative" val="1"/>
-              </a:ext>
-            </a:extLst>
-          </p:cNvPr>
-          <p:cNvSpPr>
-            <a:spLocks noGrp="1" noRot="1" noChangeAspect="1" noMove="1" noResize="1" noEditPoints="1" noAdjustHandles="1" noChangeArrowheads="1" noChangeShapeType="1" noTextEdit="1"/>
-          </p:cNvSpPr>
-          <p:nvPr>
-            <p:extLst>
-              <p:ext uri="{386F3935-93C4-4BCD-93E2-E3B085C9AB24}">
-                <p16:designElem xmlns:p16="http://schemas.microsoft.com/office/powerpoint/2015/main" val="1"/>
-              </p:ext>
-            </p:extLst>
-          </p:nvPr>
-        </p:nvSpPr>
-        <p:spPr>
-          <a:xfrm>
-            <a:off x="646745" y="640080"/>
-            <a:ext cx="10920415" cy="5577818"/>
-          </a:xfrm>
-          <a:prstGeom prst="roundRect">
-            <a:avLst>
-              <a:gd name="adj" fmla="val 0"/>
-            </a:avLst>
-          </a:prstGeom>
-          <a:solidFill>
-            <a:srgbClr val="FFFFFF"/>
-          </a:solidFill>
-          <a:ln w="9525">
-            <a:solidFill>
-              <a:srgbClr val="C8CACA"/>
-            </a:solidFill>
-          </a:ln>
-          <a:effectLst>
-            <a:outerShdw blurRad="57150" dist="19050" dir="5400000" algn="t" rotWithShape="0">
-              <a:prstClr val="black">
-                <a:alpha val="63000"/>
-              </a:prstClr>
-            </a:outerShdw>
-          </a:effectLst>
-        </p:spPr>
-        <p:style>
-          <a:lnRef idx="2">
-            <a:schemeClr val="accent1">
-              <a:shade val="50000"/>
-            </a:schemeClr>
-          </a:lnRef>
-          <a:fillRef idx="1">
-            <a:schemeClr val="accent1"/>
-          </a:fillRef>
-          <a:effectRef idx="0">
-            <a:schemeClr val="accent1"/>
-          </a:effectRef>
-          <a:fontRef idx="minor">
-            <a:schemeClr val="lt1"/>
-          </a:fontRef>
-        </p:style>
-        <p:txBody>
-          <a:bodyPr rtlCol="0" anchor="ctr"/>
-          <a:lstStyle/>
-          <a:p>
-            <a:pPr algn="ctr"/>
-            <a:endParaRPr lang="en-US"/>
-          </a:p>
-        </p:txBody>
-      </p:sp>
-      <p:sp>
-        <p:nvSpPr>
-          <p:cNvPr id="17" name="Rectangle 16">
-            <a:extLst>
-              <a:ext uri="{FF2B5EF4-FFF2-40B4-BE49-F238E27FC236}">
-                <a16:creationId xmlns:a16="http://schemas.microsoft.com/office/drawing/2014/main" id="{CCD444A3-C338-4886-B7F1-4BA2AF46EB64}"/>
-              </a:ext>
-              <a:ext uri="{C183D7F6-B498-43B3-948B-1728B52AA6E4}">
-                <adec:decorative xmlns:adec="http://schemas.microsoft.com/office/drawing/2017/decorative" val="1"/>
-              </a:ext>
-            </a:extLst>
-          </p:cNvPr>
-          <p:cNvSpPr>
-            <a:spLocks noGrp="1" noRot="1" noChangeAspect="1" noMove="1" noResize="1" noEditPoints="1" noAdjustHandles="1" noChangeArrowheads="1" noChangeShapeType="1" noTextEdit="1"/>
-          </p:cNvSpPr>
-          <p:nvPr>
-            <p:extLst>
-              <p:ext uri="{386F3935-93C4-4BCD-93E2-E3B085C9AB24}">
-                <p16:designElem xmlns:p16="http://schemas.microsoft.com/office/powerpoint/2015/main" val="1"/>
-              </p:ext>
-            </p:extLst>
-          </p:nvPr>
-        </p:nvSpPr>
-        <p:spPr>
-          <a:xfrm>
-            <a:off x="968024" y="960109"/>
-            <a:ext cx="10277856" cy="4937760"/>
-          </a:xfrm>
-          <a:prstGeom prst="rect">
-            <a:avLst/>
-          </a:prstGeom>
-          <a:solidFill>
-            <a:schemeClr val="bg2"/>
-          </a:solidFill>
-          <a:ln>
-            <a:noFill/>
-          </a:ln>
-        </p:spPr>
-        <p:style>
-          <a:lnRef idx="2">
-            <a:schemeClr val="accent1">
-              <a:shade val="50000"/>
-            </a:schemeClr>
-          </a:lnRef>
-          <a:fillRef idx="1">
-            <a:schemeClr val="accent1"/>
-          </a:fillRef>
-          <a:effectRef idx="0">
-            <a:schemeClr val="accent1"/>
-          </a:effectRef>
-          <a:fontRef idx="minor">
-            <a:schemeClr val="lt1"/>
-          </a:fontRef>
-        </p:style>
-        <p:txBody>
-          <a:bodyPr rtlCol="0" anchor="ctr"/>
-          <a:lstStyle/>
-          <a:p>
-            <a:pPr algn="ctr"/>
-            <a:endParaRPr lang="en-US"/>
-          </a:p>
-        </p:txBody>
-      </p:sp>
-      <p:sp>
-        <p:nvSpPr>
-          <p:cNvPr id="2" name="Title 1">
-            <a:extLst>
-              <a:ext uri="{FF2B5EF4-FFF2-40B4-BE49-F238E27FC236}">
-                <a16:creationId xmlns:a16="http://schemas.microsoft.com/office/drawing/2014/main" id="{F975319A-3AEA-1B2D-1378-45AB7941F5A6}"/>
-              </a:ext>
-            </a:extLst>
-          </p:cNvPr>
-          <p:cNvSpPr>
-            <a:spLocks noGrp="1"/>
-          </p:cNvSpPr>
-          <p:nvPr>
-            <p:ph type="title"/>
-          </p:nvPr>
-        </p:nvSpPr>
-        <p:spPr>
-          <a:xfrm>
-            <a:off x="1452656" y="1444741"/>
-            <a:ext cx="9357865" cy="1041901"/>
-          </a:xfrm>
-        </p:spPr>
-        <p:txBody>
-          <a:bodyPr vert="horz" lIns="91440" tIns="45720" rIns="91440" bIns="45720" rtlCol="0" anchor="ctr">
-            <a:normAutofit/>
-          </a:bodyPr>
-          <a:lstStyle/>
-          <a:p>
-            <a:r>
-              <a:rPr lang="en-US" sz="4000" b="1" i="0" kern="1200">
-                <a:solidFill>
-                  <a:schemeClr val="tx1"/>
-                </a:solidFill>
-                <a:effectLst/>
-                <a:latin typeface="+mj-lt"/>
-                <a:ea typeface="+mj-ea"/>
-                <a:cs typeface="+mj-cs"/>
-              </a:rPr>
-              <a:t>AWS Glue terminology</a:t>
-            </a:r>
-            <a:endParaRPr lang="en-US" sz="4000" kern="1200">
-              <a:solidFill>
-                <a:schemeClr val="tx1"/>
-              </a:solidFill>
-              <a:latin typeface="+mj-lt"/>
-              <a:ea typeface="+mj-ea"/>
-              <a:cs typeface="+mj-cs"/>
-            </a:endParaRPr>
-          </a:p>
-        </p:txBody>
-      </p:sp>
-      <p:sp>
-        <p:nvSpPr>
-          <p:cNvPr id="6" name="Content Placeholder 5">
-            <a:extLst>
-              <a:ext uri="{FF2B5EF4-FFF2-40B4-BE49-F238E27FC236}">
-                <a16:creationId xmlns:a16="http://schemas.microsoft.com/office/drawing/2014/main" id="{9374DFF4-3D06-31B7-3DF8-97E8C0228A3C}"/>
-              </a:ext>
-            </a:extLst>
-          </p:cNvPr>
-          <p:cNvSpPr>
-            <a:spLocks noGrp="1"/>
-          </p:cNvSpPr>
-          <p:nvPr>
-            <p:ph idx="1"/>
-          </p:nvPr>
-        </p:nvSpPr>
-        <p:spPr>
-          <a:xfrm>
-            <a:off x="1452656" y="2701427"/>
-            <a:ext cx="4483324" cy="2699968"/>
-          </a:xfrm>
-        </p:spPr>
-        <p:txBody>
-          <a:bodyPr vert="horz" lIns="91440" tIns="45720" rIns="91440" bIns="45720" rtlCol="0">
-            <a:normAutofit/>
-          </a:bodyPr>
-          <a:lstStyle/>
-          <a:p>
-            <a:r>
-              <a:rPr lang="en-US" sz="1600" b="1" i="0">
-                <a:effectLst/>
-              </a:rPr>
-              <a:t>AWS Glue Data Catalog</a:t>
-            </a:r>
-          </a:p>
-          <a:p>
-            <a:r>
-              <a:rPr lang="en-US" sz="1600" b="1" i="0">
-                <a:effectLst/>
-              </a:rPr>
-              <a:t>Classifier</a:t>
-            </a:r>
-          </a:p>
-          <a:p>
-            <a:r>
-              <a:rPr lang="en-US" sz="1600" b="1" i="0">
-                <a:effectLst/>
-              </a:rPr>
-              <a:t>Connection</a:t>
-            </a:r>
-          </a:p>
-          <a:p>
-            <a:r>
-              <a:rPr lang="en-US" sz="1600" b="1" i="0">
-                <a:effectLst/>
-              </a:rPr>
-              <a:t>Crawler</a:t>
-            </a:r>
-          </a:p>
-          <a:p>
-            <a:r>
-              <a:rPr lang="en-US" sz="1600" b="1" i="0">
-                <a:effectLst/>
-              </a:rPr>
-              <a:t>Database</a:t>
-            </a:r>
-          </a:p>
-          <a:p>
-            <a:r>
-              <a:rPr lang="en-US" sz="1600" b="1" i="0">
-                <a:effectLst/>
-              </a:rPr>
-              <a:t>Data store, data source, data target</a:t>
-            </a:r>
-          </a:p>
-          <a:p>
-            <a:r>
-              <a:rPr lang="en-US" sz="1600" b="1" i="0">
-                <a:effectLst/>
-              </a:rPr>
-              <a:t>Development endpoint</a:t>
-            </a:r>
-            <a:br>
-              <a:rPr lang="en-US" sz="1600"/>
-            </a:br>
-            <a:endParaRPr lang="en-US" sz="1600"/>
-          </a:p>
-        </p:txBody>
-      </p:sp>
-      <p:sp>
-        <p:nvSpPr>
-          <p:cNvPr id="8" name="TextBox 7">
-            <a:extLst>
-              <a:ext uri="{FF2B5EF4-FFF2-40B4-BE49-F238E27FC236}">
-                <a16:creationId xmlns:a16="http://schemas.microsoft.com/office/drawing/2014/main" id="{BDD1772F-CFC5-4B3D-6522-305819E6631B}"/>
-              </a:ext>
-            </a:extLst>
-          </p:cNvPr>
-          <p:cNvSpPr txBox="1"/>
-          <p:nvPr/>
-        </p:nvSpPr>
-        <p:spPr>
-          <a:xfrm>
-            <a:off x="6256020" y="2701427"/>
-            <a:ext cx="4554501" cy="2699968"/>
-          </a:xfrm>
-          <a:prstGeom prst="rect">
-            <a:avLst/>
-          </a:prstGeom>
-        </p:spPr>
-        <p:txBody>
-          <a:bodyPr vert="horz" lIns="91440" tIns="45720" rIns="91440" bIns="45720" rtlCol="0">
-            <a:normAutofit/>
-          </a:bodyPr>
-          <a:lstStyle/>
-          <a:p>
-            <a:pPr marL="285750" indent="-228600">
-              <a:lnSpc>
-                <a:spcPct val="90000"/>
-              </a:lnSpc>
-              <a:spcAft>
-                <a:spcPts val="600"/>
-              </a:spcAft>
-              <a:buFont typeface="Arial" panose="020B0604020202020204" pitchFamily="34" charset="0"/>
-              <a:buChar char="•"/>
-            </a:pPr>
-            <a:r>
-              <a:rPr lang="en-US" sz="1700" b="1" i="0">
-                <a:effectLst/>
-              </a:rPr>
-              <a:t>Dynamic Frame</a:t>
-            </a:r>
-          </a:p>
-          <a:p>
-            <a:pPr marL="285750" indent="-228600">
-              <a:lnSpc>
-                <a:spcPct val="90000"/>
-              </a:lnSpc>
-              <a:spcAft>
-                <a:spcPts val="600"/>
-              </a:spcAft>
-              <a:buFont typeface="Arial" panose="020B0604020202020204" pitchFamily="34" charset="0"/>
-              <a:buChar char="•"/>
-            </a:pPr>
-            <a:r>
-              <a:rPr lang="en-US" sz="1700" b="1" i="0">
-                <a:effectLst/>
-              </a:rPr>
-              <a:t>Job</a:t>
-            </a:r>
-          </a:p>
-          <a:p>
-            <a:pPr marL="285750" indent="-228600">
-              <a:lnSpc>
-                <a:spcPct val="90000"/>
-              </a:lnSpc>
-              <a:spcAft>
-                <a:spcPts val="600"/>
-              </a:spcAft>
-              <a:buFont typeface="Arial" panose="020B0604020202020204" pitchFamily="34" charset="0"/>
-              <a:buChar char="•"/>
-            </a:pPr>
-            <a:r>
-              <a:rPr lang="en-US" sz="1700" b="1" i="0">
-                <a:effectLst/>
-              </a:rPr>
-              <a:t>Notebook server</a:t>
-            </a:r>
-          </a:p>
-          <a:p>
-            <a:pPr marL="285750" indent="-228600">
-              <a:lnSpc>
-                <a:spcPct val="90000"/>
-              </a:lnSpc>
-              <a:spcAft>
-                <a:spcPts val="600"/>
-              </a:spcAft>
-              <a:buFont typeface="Arial" panose="020B0604020202020204" pitchFamily="34" charset="0"/>
-              <a:buChar char="•"/>
-            </a:pPr>
-            <a:r>
-              <a:rPr lang="en-US" sz="1700" b="1" i="0">
-                <a:effectLst/>
-              </a:rPr>
-              <a:t>Script</a:t>
-            </a:r>
-          </a:p>
-          <a:p>
-            <a:pPr marL="285750" indent="-228600">
-              <a:lnSpc>
-                <a:spcPct val="90000"/>
-              </a:lnSpc>
-              <a:spcAft>
-                <a:spcPts val="600"/>
-              </a:spcAft>
-              <a:buFont typeface="Arial" panose="020B0604020202020204" pitchFamily="34" charset="0"/>
-              <a:buChar char="•"/>
-            </a:pPr>
-            <a:r>
-              <a:rPr lang="en-US" sz="1700" b="1"/>
-              <a:t>Table</a:t>
-            </a:r>
-          </a:p>
-          <a:p>
-            <a:pPr marL="285750" indent="-228600">
-              <a:lnSpc>
-                <a:spcPct val="90000"/>
-              </a:lnSpc>
-              <a:spcAft>
-                <a:spcPts val="600"/>
-              </a:spcAft>
-              <a:buFont typeface="Arial" panose="020B0604020202020204" pitchFamily="34" charset="0"/>
-              <a:buChar char="•"/>
-            </a:pPr>
-            <a:r>
-              <a:rPr lang="en-US" sz="1700" b="1" i="0">
-                <a:effectLst/>
-              </a:rPr>
-              <a:t>Transform</a:t>
-            </a:r>
-          </a:p>
-          <a:p>
-            <a:pPr marL="285750" indent="-228600">
-              <a:lnSpc>
-                <a:spcPct val="90000"/>
-              </a:lnSpc>
-              <a:spcAft>
-                <a:spcPts val="600"/>
-              </a:spcAft>
-              <a:buFont typeface="Arial" panose="020B0604020202020204" pitchFamily="34" charset="0"/>
-              <a:buChar char="•"/>
-            </a:pPr>
-            <a:r>
-              <a:rPr lang="en-US" sz="1700" b="1"/>
-              <a:t>Trigger</a:t>
-            </a:r>
-          </a:p>
-          <a:p>
-            <a:pPr marL="285750" indent="-228600">
-              <a:lnSpc>
-                <a:spcPct val="90000"/>
-              </a:lnSpc>
-              <a:spcAft>
-                <a:spcPts val="600"/>
-              </a:spcAft>
-              <a:buFont typeface="Arial" panose="020B0604020202020204" pitchFamily="34" charset="0"/>
-              <a:buChar char="•"/>
-            </a:pPr>
-            <a:r>
-              <a:rPr lang="en-US" sz="1700" b="1" i="0">
-                <a:effectLst/>
-              </a:rPr>
-              <a:t>Worker</a:t>
-            </a:r>
-          </a:p>
-        </p:txBody>
-      </p:sp>
-    </p:spTree>
-    <p:extLst>
-      <p:ext uri="{BB962C8B-B14F-4D97-AF65-F5344CB8AC3E}">
-        <p14:creationId xmlns:p14="http://schemas.microsoft.com/office/powerpoint/2010/main" val="2350640079"/>
-      </p:ext>
-    </p:extLst>
-  </p:cSld>
-  <p:clrMapOvr>
-    <a:masterClrMapping/>
-  </p:clrMapOvr>
-</p:sld>
-</file>
-
 <file path=ppt/slides/slide5.xml><?xml version="1.0" encoding="utf-8"?>
 <p:sld xmlns:a="http://schemas.openxmlformats.org/drawingml/2006/main" xmlns:r="http://schemas.openxmlformats.org/officeDocument/2006/relationships" xmlns:p="http://schemas.openxmlformats.org/presentationml/2006/main">
   <p:cSld>
@@ -28388,8 +28384,8 @@
         </p:nvSpPr>
         <p:spPr>
           <a:xfrm>
-            <a:off x="630936" y="2807208"/>
-            <a:ext cx="3429000" cy="3410712"/>
+            <a:off x="557118" y="2807208"/>
+            <a:ext cx="3887714" cy="3533036"/>
           </a:xfrm>
           <a:prstGeom prst="rect">
             <a:avLst/>
@@ -28397,7 +28393,7 @@
         </p:spPr>
         <p:txBody>
           <a:bodyPr vert="horz" lIns="91440" tIns="45720" rIns="91440" bIns="45720" rtlCol="0" anchor="t">
-            <a:normAutofit/>
+            <a:normAutofit fontScale="92500" lnSpcReduction="10000"/>
           </a:bodyPr>
           <a:lstStyle/>
           <a:p>
@@ -28412,7 +28408,7 @@
               <a:buChar char="•"/>
             </a:pPr>
             <a:r>
-              <a:rPr lang="en-US" sz="1200" b="0" i="0" dirty="0">
+              <a:rPr lang="en-US" sz="1600" b="0" i="0" dirty="0">
                 <a:effectLst/>
               </a:rPr>
               <a:t>The AWS Glue Data Catalog is your persistent technical metadata store in the AWS Cloud.</a:t>
@@ -28430,7 +28426,7 @@
               <a:buChar char="•"/>
             </a:pPr>
             <a:r>
-              <a:rPr lang="en-US" sz="1200" dirty="0"/>
+              <a:rPr lang="en-US" sz="1600" dirty="0"/>
               <a:t>Amazon AWS Glue Data Catalog is one such Data Catalog that stores all the metadata related to the AWS ETL software</a:t>
             </a:r>
           </a:p>
@@ -28446,13 +28442,13 @@
               <a:buChar char="•"/>
             </a:pPr>
             <a:r>
-              <a:rPr lang="en-US" sz="1200" b="1" i="0" dirty="0">
+              <a:rPr lang="en-US" sz="1600" b="1" i="0" dirty="0">
                 <a:effectLst/>
               </a:rPr>
               <a:t>AWS Glue Data Catalog</a:t>
             </a:r>
             <a:r>
-              <a:rPr lang="en-US" sz="1200" b="0" i="0" dirty="0">
+              <a:rPr lang="en-US" sz="1600" b="0" i="0" dirty="0">
                 <a:effectLst/>
               </a:rPr>
               <a:t> tracks runtime metrics, and stores the indexes, locations of data, schemas, etc.</a:t>
@@ -28470,7 +28466,7 @@
               <a:buChar char="•"/>
             </a:pPr>
             <a:r>
-              <a:rPr lang="en-US" sz="1200" b="0" i="0" dirty="0">
+              <a:rPr lang="en-US" sz="1600" b="0" i="0" dirty="0">
                 <a:effectLst/>
               </a:rPr>
               <a:t>It basically keeps track of all the ETL jobs being performed on AWS Glue. </a:t>
@@ -28488,18 +28484,18 @@
               <a:buChar char="•"/>
             </a:pPr>
             <a:r>
-              <a:rPr lang="en-US" sz="1200" b="0" i="0" dirty="0">
+              <a:rPr lang="en-US" sz="1600" b="0" i="0" dirty="0">
                 <a:effectLst/>
               </a:rPr>
               <a:t>All this metadata is stored in the form of tables where each table represents a different data store.</a:t>
             </a:r>
             <a:br>
-              <a:rPr lang="en-US" sz="1200" dirty="0"/>
+              <a:rPr lang="en-US" sz="1600" dirty="0"/>
             </a:br>
             <a:br>
-              <a:rPr lang="en-US" sz="1200" dirty="0"/>
+              <a:rPr lang="en-US" sz="1600" dirty="0"/>
             </a:br>
-            <a:endParaRPr lang="en-US" sz="1200" dirty="0"/>
+            <a:endParaRPr lang="en-US" sz="1600" dirty="0"/>
           </a:p>
         </p:txBody>
       </p:sp>
@@ -28533,7 +28529,7 @@
         </p:blipFill>
         <p:spPr bwMode="auto">
           <a:xfrm>
-            <a:off x="4654296" y="1608144"/>
+            <a:off x="5005522" y="1608144"/>
             <a:ext cx="6903720" cy="3641712"/>
           </a:xfrm>
           <a:prstGeom prst="rect">
@@ -28565,1104 +28561,6 @@
 </file>
 
 <file path=ppt/slides/slide6.xml><?xml version="1.0" encoding="utf-8"?>
-<p:sld xmlns:a="http://schemas.openxmlformats.org/drawingml/2006/main" xmlns:r="http://schemas.openxmlformats.org/officeDocument/2006/relationships" xmlns:p="http://schemas.openxmlformats.org/presentationml/2006/main">
-  <p:cSld>
-    <p:bg>
-      <p:bgPr>
-        <a:solidFill>
-          <a:schemeClr val="bg1"/>
-        </a:solidFill>
-        <a:effectLst/>
-      </p:bgPr>
-    </p:bg>
-    <p:spTree>
-      <p:nvGrpSpPr>
-        <p:cNvPr id="1" name=""/>
-        <p:cNvGrpSpPr/>
-        <p:nvPr/>
-      </p:nvGrpSpPr>
-      <p:grpSpPr>
-        <a:xfrm>
-          <a:off x="0" y="0"/>
-          <a:ext cx="0" cy="0"/>
-          <a:chOff x="0" y="0"/>
-          <a:chExt cx="0" cy="0"/>
-        </a:xfrm>
-      </p:grpSpPr>
-      <p:sp useBgFill="1">
-        <p:nvSpPr>
-          <p:cNvPr id="8" name="Rectangle 7">
-            <a:extLst>
-              <a:ext uri="{FF2B5EF4-FFF2-40B4-BE49-F238E27FC236}">
-                <a16:creationId xmlns:a16="http://schemas.microsoft.com/office/drawing/2014/main" id="{100EDD19-6802-4EC3-95CE-CFFAB042CFD6}"/>
-              </a:ext>
-              <a:ext uri="{C183D7F6-B498-43B3-948B-1728B52AA6E4}">
-                <adec:decorative xmlns:adec="http://schemas.microsoft.com/office/drawing/2017/decorative" val="1"/>
-              </a:ext>
-            </a:extLst>
-          </p:cNvPr>
-          <p:cNvSpPr>
-            <a:spLocks noGrp="1" noRot="1" noChangeAspect="1" noMove="1" noResize="1" noEditPoints="1" noAdjustHandles="1" noChangeArrowheads="1" noChangeShapeType="1" noTextEdit="1"/>
-          </p:cNvSpPr>
-          <p:nvPr>
-            <p:extLst>
-              <p:ext uri="{386F3935-93C4-4BCD-93E2-E3B085C9AB24}">
-                <p16:designElem xmlns:p16="http://schemas.microsoft.com/office/powerpoint/2015/main" val="1"/>
-              </p:ext>
-            </p:extLst>
-          </p:nvPr>
-        </p:nvSpPr>
-        <p:spPr>
-          <a:xfrm>
-            <a:off x="0" y="0"/>
-            <a:ext cx="12188952" cy="6858000"/>
-          </a:xfrm>
-          <a:prstGeom prst="rect">
-            <a:avLst/>
-          </a:prstGeom>
-          <a:ln>
-            <a:noFill/>
-          </a:ln>
-        </p:spPr>
-        <p:style>
-          <a:lnRef idx="2">
-            <a:schemeClr val="accent1">
-              <a:shade val="50000"/>
-            </a:schemeClr>
-          </a:lnRef>
-          <a:fillRef idx="1">
-            <a:schemeClr val="accent1"/>
-          </a:fillRef>
-          <a:effectRef idx="0">
-            <a:schemeClr val="accent1"/>
-          </a:effectRef>
-          <a:fontRef idx="minor">
-            <a:schemeClr val="lt1"/>
-          </a:fontRef>
-        </p:style>
-        <p:txBody>
-          <a:bodyPr rtlCol="0" anchor="ctr"/>
-          <a:lstStyle/>
-          <a:p>
-            <a:pPr algn="ctr"/>
-            <a:endParaRPr lang="en-US"/>
-          </a:p>
-        </p:txBody>
-      </p:sp>
-      <p:sp>
-        <p:nvSpPr>
-          <p:cNvPr id="2" name="Title 1">
-            <a:extLst>
-              <a:ext uri="{FF2B5EF4-FFF2-40B4-BE49-F238E27FC236}">
-                <a16:creationId xmlns:a16="http://schemas.microsoft.com/office/drawing/2014/main" id="{D9D2C8A1-9A04-59FE-F50A-9E1A63849947}"/>
-              </a:ext>
-            </a:extLst>
-          </p:cNvPr>
-          <p:cNvSpPr>
-            <a:spLocks noGrp="1"/>
-          </p:cNvSpPr>
-          <p:nvPr>
-            <p:ph type="title"/>
-          </p:nvPr>
-        </p:nvSpPr>
-        <p:spPr>
-          <a:xfrm>
-            <a:off x="838200" y="365125"/>
-            <a:ext cx="10515600" cy="1325563"/>
-          </a:xfrm>
-        </p:spPr>
-        <p:txBody>
-          <a:bodyPr>
-            <a:normAutofit/>
-          </a:bodyPr>
-          <a:lstStyle/>
-          <a:p>
-            <a:r>
-              <a:rPr lang="en-US" sz="5400" kern="1200">
-                <a:latin typeface="+mj-lt"/>
-                <a:ea typeface="+mj-ea"/>
-                <a:cs typeface="+mj-cs"/>
-              </a:rPr>
-              <a:t>AWS Glue Data Catalog: Components</a:t>
-            </a:r>
-            <a:endParaRPr lang="en-CH" sz="5400"/>
-          </a:p>
-        </p:txBody>
-      </p:sp>
-      <p:sp>
-        <p:nvSpPr>
-          <p:cNvPr id="10" name="sketch line">
-            <a:extLst>
-              <a:ext uri="{FF2B5EF4-FFF2-40B4-BE49-F238E27FC236}">
-                <a16:creationId xmlns:a16="http://schemas.microsoft.com/office/drawing/2014/main" id="{DB17E863-922E-4C26-BD64-E8FD41D28661}"/>
-              </a:ext>
-              <a:ext uri="{C183D7F6-B498-43B3-948B-1728B52AA6E4}">
-                <adec:decorative xmlns:adec="http://schemas.microsoft.com/office/drawing/2017/decorative" val="1"/>
-              </a:ext>
-            </a:extLst>
-          </p:cNvPr>
-          <p:cNvSpPr>
-            <a:spLocks noGrp="1" noRot="1" noChangeAspect="1" noMove="1" noResize="1" noEditPoints="1" noAdjustHandles="1" noChangeArrowheads="1" noChangeShapeType="1" noTextEdit="1"/>
-          </p:cNvSpPr>
-          <p:nvPr>
-            <p:extLst>
-              <p:ext uri="{386F3935-93C4-4BCD-93E2-E3B085C9AB24}">
-                <p16:designElem xmlns:p16="http://schemas.microsoft.com/office/powerpoint/2015/main" val="1"/>
-              </p:ext>
-            </p:extLst>
-          </p:nvPr>
-        </p:nvSpPr>
-        <p:spPr>
-          <a:xfrm>
-            <a:off x="669036" y="1677373"/>
-            <a:ext cx="10853928" cy="18288"/>
-          </a:xfrm>
-          <a:custGeom>
-            <a:avLst/>
-            <a:gdLst>
-              <a:gd name="connsiteX0" fmla="*/ 0 w 10853928"/>
-              <a:gd name="connsiteY0" fmla="*/ 0 h 18288"/>
-              <a:gd name="connsiteX1" fmla="*/ 461292 w 10853928"/>
-              <a:gd name="connsiteY1" fmla="*/ 0 h 18288"/>
-              <a:gd name="connsiteX2" fmla="*/ 1139662 w 10853928"/>
-              <a:gd name="connsiteY2" fmla="*/ 0 h 18288"/>
-              <a:gd name="connsiteX3" fmla="*/ 1926572 w 10853928"/>
-              <a:gd name="connsiteY3" fmla="*/ 0 h 18288"/>
-              <a:gd name="connsiteX4" fmla="*/ 2279325 w 10853928"/>
-              <a:gd name="connsiteY4" fmla="*/ 0 h 18288"/>
-              <a:gd name="connsiteX5" fmla="*/ 2632078 w 10853928"/>
-              <a:gd name="connsiteY5" fmla="*/ 0 h 18288"/>
-              <a:gd name="connsiteX6" fmla="*/ 3527527 w 10853928"/>
-              <a:gd name="connsiteY6" fmla="*/ 0 h 18288"/>
-              <a:gd name="connsiteX7" fmla="*/ 4205897 w 10853928"/>
-              <a:gd name="connsiteY7" fmla="*/ 0 h 18288"/>
-              <a:gd name="connsiteX8" fmla="*/ 4558650 w 10853928"/>
-              <a:gd name="connsiteY8" fmla="*/ 0 h 18288"/>
-              <a:gd name="connsiteX9" fmla="*/ 5237020 w 10853928"/>
-              <a:gd name="connsiteY9" fmla="*/ 0 h 18288"/>
-              <a:gd name="connsiteX10" fmla="*/ 6132469 w 10853928"/>
-              <a:gd name="connsiteY10" fmla="*/ 0 h 18288"/>
-              <a:gd name="connsiteX11" fmla="*/ 6702301 w 10853928"/>
-              <a:gd name="connsiteY11" fmla="*/ 0 h 18288"/>
-              <a:gd name="connsiteX12" fmla="*/ 7272132 w 10853928"/>
-              <a:gd name="connsiteY12" fmla="*/ 0 h 18288"/>
-              <a:gd name="connsiteX13" fmla="*/ 7950502 w 10853928"/>
-              <a:gd name="connsiteY13" fmla="*/ 0 h 18288"/>
-              <a:gd name="connsiteX14" fmla="*/ 8737412 w 10853928"/>
-              <a:gd name="connsiteY14" fmla="*/ 0 h 18288"/>
-              <a:gd name="connsiteX15" fmla="*/ 9524322 w 10853928"/>
-              <a:gd name="connsiteY15" fmla="*/ 0 h 18288"/>
-              <a:gd name="connsiteX16" fmla="*/ 10853928 w 10853928"/>
-              <a:gd name="connsiteY16" fmla="*/ 0 h 18288"/>
-              <a:gd name="connsiteX17" fmla="*/ 10853928 w 10853928"/>
-              <a:gd name="connsiteY17" fmla="*/ 18288 h 18288"/>
-              <a:gd name="connsiteX18" fmla="*/ 10392636 w 10853928"/>
-              <a:gd name="connsiteY18" fmla="*/ 18288 h 18288"/>
-              <a:gd name="connsiteX19" fmla="*/ 9497187 w 10853928"/>
-              <a:gd name="connsiteY19" fmla="*/ 18288 h 18288"/>
-              <a:gd name="connsiteX20" fmla="*/ 8818817 w 10853928"/>
-              <a:gd name="connsiteY20" fmla="*/ 18288 h 18288"/>
-              <a:gd name="connsiteX21" fmla="*/ 8466064 w 10853928"/>
-              <a:gd name="connsiteY21" fmla="*/ 18288 h 18288"/>
-              <a:gd name="connsiteX22" fmla="*/ 7787693 w 10853928"/>
-              <a:gd name="connsiteY22" fmla="*/ 18288 h 18288"/>
-              <a:gd name="connsiteX23" fmla="*/ 7217862 w 10853928"/>
-              <a:gd name="connsiteY23" fmla="*/ 18288 h 18288"/>
-              <a:gd name="connsiteX24" fmla="*/ 6648031 w 10853928"/>
-              <a:gd name="connsiteY24" fmla="*/ 18288 h 18288"/>
-              <a:gd name="connsiteX25" fmla="*/ 6078200 w 10853928"/>
-              <a:gd name="connsiteY25" fmla="*/ 18288 h 18288"/>
-              <a:gd name="connsiteX26" fmla="*/ 5508368 w 10853928"/>
-              <a:gd name="connsiteY26" fmla="*/ 18288 h 18288"/>
-              <a:gd name="connsiteX27" fmla="*/ 4721459 w 10853928"/>
-              <a:gd name="connsiteY27" fmla="*/ 18288 h 18288"/>
-              <a:gd name="connsiteX28" fmla="*/ 4043088 w 10853928"/>
-              <a:gd name="connsiteY28" fmla="*/ 18288 h 18288"/>
-              <a:gd name="connsiteX29" fmla="*/ 3690336 w 10853928"/>
-              <a:gd name="connsiteY29" fmla="*/ 18288 h 18288"/>
-              <a:gd name="connsiteX30" fmla="*/ 3120504 w 10853928"/>
-              <a:gd name="connsiteY30" fmla="*/ 18288 h 18288"/>
-              <a:gd name="connsiteX31" fmla="*/ 2333595 w 10853928"/>
-              <a:gd name="connsiteY31" fmla="*/ 18288 h 18288"/>
-              <a:gd name="connsiteX32" fmla="*/ 1872303 w 10853928"/>
-              <a:gd name="connsiteY32" fmla="*/ 18288 h 18288"/>
-              <a:gd name="connsiteX33" fmla="*/ 976854 w 10853928"/>
-              <a:gd name="connsiteY33" fmla="*/ 18288 h 18288"/>
-              <a:gd name="connsiteX34" fmla="*/ 0 w 10853928"/>
-              <a:gd name="connsiteY34" fmla="*/ 18288 h 18288"/>
-              <a:gd name="connsiteX35" fmla="*/ 0 w 10853928"/>
-              <a:gd name="connsiteY35" fmla="*/ 0 h 18288"/>
-            </a:gdLst>
-            <a:ahLst/>
-            <a:cxnLst>
-              <a:cxn ang="0">
-                <a:pos x="connsiteX0" y="connsiteY0"/>
-              </a:cxn>
-              <a:cxn ang="0">
-                <a:pos x="connsiteX1" y="connsiteY1"/>
-              </a:cxn>
-              <a:cxn ang="0">
-                <a:pos x="connsiteX2" y="connsiteY2"/>
-              </a:cxn>
-              <a:cxn ang="0">
-                <a:pos x="connsiteX3" y="connsiteY3"/>
-              </a:cxn>
-              <a:cxn ang="0">
-                <a:pos x="connsiteX4" y="connsiteY4"/>
-              </a:cxn>
-              <a:cxn ang="0">
-                <a:pos x="connsiteX5" y="connsiteY5"/>
-              </a:cxn>
-              <a:cxn ang="0">
-                <a:pos x="connsiteX6" y="connsiteY6"/>
-              </a:cxn>
-              <a:cxn ang="0">
-                <a:pos x="connsiteX7" y="connsiteY7"/>
-              </a:cxn>
-              <a:cxn ang="0">
-                <a:pos x="connsiteX8" y="connsiteY8"/>
-              </a:cxn>
-              <a:cxn ang="0">
-                <a:pos x="connsiteX9" y="connsiteY9"/>
-              </a:cxn>
-              <a:cxn ang="0">
-                <a:pos x="connsiteX10" y="connsiteY10"/>
-              </a:cxn>
-              <a:cxn ang="0">
-                <a:pos x="connsiteX11" y="connsiteY11"/>
-              </a:cxn>
-              <a:cxn ang="0">
-                <a:pos x="connsiteX12" y="connsiteY12"/>
-              </a:cxn>
-              <a:cxn ang="0">
-                <a:pos x="connsiteX13" y="connsiteY13"/>
-              </a:cxn>
-              <a:cxn ang="0">
-                <a:pos x="connsiteX14" y="connsiteY14"/>
-              </a:cxn>
-              <a:cxn ang="0">
-                <a:pos x="connsiteX15" y="connsiteY15"/>
-              </a:cxn>
-              <a:cxn ang="0">
-                <a:pos x="connsiteX16" y="connsiteY16"/>
-              </a:cxn>
-              <a:cxn ang="0">
-                <a:pos x="connsiteX17" y="connsiteY17"/>
-              </a:cxn>
-              <a:cxn ang="0">
-                <a:pos x="connsiteX18" y="connsiteY18"/>
-              </a:cxn>
-              <a:cxn ang="0">
-                <a:pos x="connsiteX19" y="connsiteY19"/>
-              </a:cxn>
-              <a:cxn ang="0">
-                <a:pos x="connsiteX20" y="connsiteY20"/>
-              </a:cxn>
-              <a:cxn ang="0">
-                <a:pos x="connsiteX21" y="connsiteY21"/>
-              </a:cxn>
-              <a:cxn ang="0">
-                <a:pos x="connsiteX22" y="connsiteY22"/>
-              </a:cxn>
-              <a:cxn ang="0">
-                <a:pos x="connsiteX23" y="connsiteY23"/>
-              </a:cxn>
-              <a:cxn ang="0">
-                <a:pos x="connsiteX24" y="connsiteY24"/>
-              </a:cxn>
-              <a:cxn ang="0">
-                <a:pos x="connsiteX25" y="connsiteY25"/>
-              </a:cxn>
-              <a:cxn ang="0">
-                <a:pos x="connsiteX26" y="connsiteY26"/>
-              </a:cxn>
-              <a:cxn ang="0">
-                <a:pos x="connsiteX27" y="connsiteY27"/>
-              </a:cxn>
-              <a:cxn ang="0">
-                <a:pos x="connsiteX28" y="connsiteY28"/>
-              </a:cxn>
-              <a:cxn ang="0">
-                <a:pos x="connsiteX29" y="connsiteY29"/>
-              </a:cxn>
-              <a:cxn ang="0">
-                <a:pos x="connsiteX30" y="connsiteY30"/>
-              </a:cxn>
-              <a:cxn ang="0">
-                <a:pos x="connsiteX31" y="connsiteY31"/>
-              </a:cxn>
-              <a:cxn ang="0">
-                <a:pos x="connsiteX32" y="connsiteY32"/>
-              </a:cxn>
-              <a:cxn ang="0">
-                <a:pos x="connsiteX33" y="connsiteY33"/>
-              </a:cxn>
-              <a:cxn ang="0">
-                <a:pos x="connsiteX34" y="connsiteY34"/>
-              </a:cxn>
-              <a:cxn ang="0">
-                <a:pos x="connsiteX35" y="connsiteY35"/>
-              </a:cxn>
-            </a:cxnLst>
-            <a:rect l="l" t="t" r="r" b="b"/>
-            <a:pathLst>
-              <a:path w="10853928" h="18288" fill="none" extrusionOk="0">
-                <a:moveTo>
-                  <a:pt x="0" y="0"/>
-                </a:moveTo>
-                <a:cubicBezTo>
-                  <a:pt x="146993" y="-19076"/>
-                  <a:pt x="347684" y="-4790"/>
-                  <a:pt x="461292" y="0"/>
-                </a:cubicBezTo>
-                <a:cubicBezTo>
-                  <a:pt x="574900" y="4790"/>
-                  <a:pt x="808367" y="19821"/>
-                  <a:pt x="1139662" y="0"/>
-                </a:cubicBezTo>
-                <a:cubicBezTo>
-                  <a:pt x="1470957" y="-19821"/>
-                  <a:pt x="1627405" y="5721"/>
-                  <a:pt x="1926572" y="0"/>
-                </a:cubicBezTo>
-                <a:cubicBezTo>
-                  <a:pt x="2225739" y="-5721"/>
-                  <a:pt x="2137730" y="-3235"/>
-                  <a:pt x="2279325" y="0"/>
-                </a:cubicBezTo>
-                <a:cubicBezTo>
-                  <a:pt x="2420920" y="3235"/>
-                  <a:pt x="2456518" y="9685"/>
-                  <a:pt x="2632078" y="0"/>
-                </a:cubicBezTo>
-                <a:cubicBezTo>
-                  <a:pt x="2807638" y="-9685"/>
-                  <a:pt x="3211516" y="-43007"/>
-                  <a:pt x="3527527" y="0"/>
-                </a:cubicBezTo>
-                <a:cubicBezTo>
-                  <a:pt x="3843538" y="43007"/>
-                  <a:pt x="4058833" y="22042"/>
-                  <a:pt x="4205897" y="0"/>
-                </a:cubicBezTo>
-                <a:cubicBezTo>
-                  <a:pt x="4352961" y="-22042"/>
-                  <a:pt x="4474805" y="-11846"/>
-                  <a:pt x="4558650" y="0"/>
-                </a:cubicBezTo>
-                <a:cubicBezTo>
-                  <a:pt x="4642495" y="11846"/>
-                  <a:pt x="5041928" y="-6069"/>
-                  <a:pt x="5237020" y="0"/>
-                </a:cubicBezTo>
-                <a:cubicBezTo>
-                  <a:pt x="5432112" y="6069"/>
-                  <a:pt x="5943266" y="-17479"/>
-                  <a:pt x="6132469" y="0"/>
-                </a:cubicBezTo>
-                <a:cubicBezTo>
-                  <a:pt x="6321672" y="17479"/>
-                  <a:pt x="6483872" y="26234"/>
-                  <a:pt x="6702301" y="0"/>
-                </a:cubicBezTo>
-                <a:cubicBezTo>
-                  <a:pt x="6920730" y="-26234"/>
-                  <a:pt x="6991194" y="-15156"/>
-                  <a:pt x="7272132" y="0"/>
-                </a:cubicBezTo>
-                <a:cubicBezTo>
-                  <a:pt x="7553070" y="15156"/>
-                  <a:pt x="7684444" y="-32961"/>
-                  <a:pt x="7950502" y="0"/>
-                </a:cubicBezTo>
-                <a:cubicBezTo>
-                  <a:pt x="8216560" y="32961"/>
-                  <a:pt x="8493290" y="-10491"/>
-                  <a:pt x="8737412" y="0"/>
-                </a:cubicBezTo>
-                <a:cubicBezTo>
-                  <a:pt x="8981534" y="10491"/>
-                  <a:pt x="9191586" y="-13899"/>
-                  <a:pt x="9524322" y="0"/>
-                </a:cubicBezTo>
-                <a:cubicBezTo>
-                  <a:pt x="9857058" y="13899"/>
-                  <a:pt x="10297509" y="7485"/>
-                  <a:pt x="10853928" y="0"/>
-                </a:cubicBezTo>
-                <a:cubicBezTo>
-                  <a:pt x="10854574" y="4451"/>
-                  <a:pt x="10854418" y="9226"/>
-                  <a:pt x="10853928" y="18288"/>
-                </a:cubicBezTo>
-                <a:cubicBezTo>
-                  <a:pt x="10691638" y="28522"/>
-                  <a:pt x="10574319" y="29578"/>
-                  <a:pt x="10392636" y="18288"/>
-                </a:cubicBezTo>
-                <a:cubicBezTo>
-                  <a:pt x="10210953" y="6998"/>
-                  <a:pt x="9836277" y="-16742"/>
-                  <a:pt x="9497187" y="18288"/>
-                </a:cubicBezTo>
-                <a:cubicBezTo>
-                  <a:pt x="9158097" y="53318"/>
-                  <a:pt x="9119479" y="30714"/>
-                  <a:pt x="8818817" y="18288"/>
-                </a:cubicBezTo>
-                <a:cubicBezTo>
-                  <a:pt x="8518155" y="5863"/>
-                  <a:pt x="8640037" y="6483"/>
-                  <a:pt x="8466064" y="18288"/>
-                </a:cubicBezTo>
-                <a:cubicBezTo>
-                  <a:pt x="8292091" y="30093"/>
-                  <a:pt x="7997656" y="18914"/>
-                  <a:pt x="7787693" y="18288"/>
-                </a:cubicBezTo>
-                <a:cubicBezTo>
-                  <a:pt x="7577730" y="17662"/>
-                  <a:pt x="7412468" y="21416"/>
-                  <a:pt x="7217862" y="18288"/>
-                </a:cubicBezTo>
-                <a:cubicBezTo>
-                  <a:pt x="7023256" y="15160"/>
-                  <a:pt x="6898018" y="14824"/>
-                  <a:pt x="6648031" y="18288"/>
-                </a:cubicBezTo>
-                <a:cubicBezTo>
-                  <a:pt x="6398044" y="21752"/>
-                  <a:pt x="6254402" y="38625"/>
-                  <a:pt x="6078200" y="18288"/>
-                </a:cubicBezTo>
-                <a:cubicBezTo>
-                  <a:pt x="5901998" y="-2049"/>
-                  <a:pt x="5622886" y="3213"/>
-                  <a:pt x="5508368" y="18288"/>
-                </a:cubicBezTo>
-                <a:cubicBezTo>
-                  <a:pt x="5393850" y="33363"/>
-                  <a:pt x="5036260" y="26830"/>
-                  <a:pt x="4721459" y="18288"/>
-                </a:cubicBezTo>
-                <a:cubicBezTo>
-                  <a:pt x="4406658" y="9746"/>
-                  <a:pt x="4239221" y="41551"/>
-                  <a:pt x="4043088" y="18288"/>
-                </a:cubicBezTo>
-                <a:cubicBezTo>
-                  <a:pt x="3846955" y="-4975"/>
-                  <a:pt x="3818802" y="34658"/>
-                  <a:pt x="3690336" y="18288"/>
-                </a:cubicBezTo>
-                <a:cubicBezTo>
-                  <a:pt x="3561870" y="1918"/>
-                  <a:pt x="3265491" y="42194"/>
-                  <a:pt x="3120504" y="18288"/>
-                </a:cubicBezTo>
-                <a:cubicBezTo>
-                  <a:pt x="2975517" y="-5618"/>
-                  <a:pt x="2720254" y="36673"/>
-                  <a:pt x="2333595" y="18288"/>
-                </a:cubicBezTo>
-                <a:cubicBezTo>
-                  <a:pt x="1946936" y="-97"/>
-                  <a:pt x="2097241" y="5776"/>
-                  <a:pt x="1872303" y="18288"/>
-                </a:cubicBezTo>
-                <a:cubicBezTo>
-                  <a:pt x="1647365" y="30800"/>
-                  <a:pt x="1282708" y="45380"/>
-                  <a:pt x="976854" y="18288"/>
-                </a:cubicBezTo>
-                <a:cubicBezTo>
-                  <a:pt x="671000" y="-8804"/>
-                  <a:pt x="408401" y="-12775"/>
-                  <a:pt x="0" y="18288"/>
-                </a:cubicBezTo>
-                <a:cubicBezTo>
-                  <a:pt x="-213" y="9468"/>
-                  <a:pt x="187" y="4459"/>
-                  <a:pt x="0" y="0"/>
-                </a:cubicBezTo>
-                <a:close/>
-              </a:path>
-              <a:path w="10853928" h="18288" stroke="0" extrusionOk="0">
-                <a:moveTo>
-                  <a:pt x="0" y="0"/>
-                </a:moveTo>
-                <a:cubicBezTo>
-                  <a:pt x="267322" y="15284"/>
-                  <a:pt x="415388" y="-21048"/>
-                  <a:pt x="569831" y="0"/>
-                </a:cubicBezTo>
-                <a:cubicBezTo>
-                  <a:pt x="724274" y="21048"/>
-                  <a:pt x="769333" y="-2353"/>
-                  <a:pt x="922584" y="0"/>
-                </a:cubicBezTo>
-                <a:cubicBezTo>
-                  <a:pt x="1075835" y="2353"/>
-                  <a:pt x="1399490" y="-145"/>
-                  <a:pt x="1818033" y="0"/>
-                </a:cubicBezTo>
-                <a:cubicBezTo>
-                  <a:pt x="2236576" y="145"/>
-                  <a:pt x="2145330" y="5482"/>
-                  <a:pt x="2387864" y="0"/>
-                </a:cubicBezTo>
-                <a:cubicBezTo>
-                  <a:pt x="2630398" y="-5482"/>
-                  <a:pt x="2793207" y="18487"/>
-                  <a:pt x="2957695" y="0"/>
-                </a:cubicBezTo>
-                <a:cubicBezTo>
-                  <a:pt x="3122183" y="-18487"/>
-                  <a:pt x="3579141" y="19003"/>
-                  <a:pt x="3853144" y="0"/>
-                </a:cubicBezTo>
-                <a:cubicBezTo>
-                  <a:pt x="4127147" y="-19003"/>
-                  <a:pt x="4209857" y="12211"/>
-                  <a:pt x="4314436" y="0"/>
-                </a:cubicBezTo>
-                <a:cubicBezTo>
-                  <a:pt x="4419015" y="-12211"/>
-                  <a:pt x="4762459" y="-17220"/>
-                  <a:pt x="5209885" y="0"/>
-                </a:cubicBezTo>
-                <a:cubicBezTo>
-                  <a:pt x="5657311" y="17220"/>
-                  <a:pt x="5692663" y="-3290"/>
-                  <a:pt x="6105335" y="0"/>
-                </a:cubicBezTo>
-                <a:cubicBezTo>
-                  <a:pt x="6518007" y="3290"/>
-                  <a:pt x="6455516" y="-5124"/>
-                  <a:pt x="6783705" y="0"/>
-                </a:cubicBezTo>
-                <a:cubicBezTo>
-                  <a:pt x="7111894" y="5124"/>
-                  <a:pt x="7441941" y="-17829"/>
-                  <a:pt x="7679154" y="0"/>
-                </a:cubicBezTo>
-                <a:cubicBezTo>
-                  <a:pt x="7916367" y="17829"/>
-                  <a:pt x="8102967" y="-24363"/>
-                  <a:pt x="8248985" y="0"/>
-                </a:cubicBezTo>
-                <a:cubicBezTo>
-                  <a:pt x="8395003" y="24363"/>
-                  <a:pt x="8552393" y="25505"/>
-                  <a:pt x="8818817" y="0"/>
-                </a:cubicBezTo>
-                <a:cubicBezTo>
-                  <a:pt x="9085241" y="-25505"/>
-                  <a:pt x="9411308" y="38000"/>
-                  <a:pt x="9605726" y="0"/>
-                </a:cubicBezTo>
-                <a:cubicBezTo>
-                  <a:pt x="9800144" y="-38000"/>
-                  <a:pt x="10006468" y="-25741"/>
-                  <a:pt x="10175558" y="0"/>
-                </a:cubicBezTo>
-                <a:cubicBezTo>
-                  <a:pt x="10344648" y="25741"/>
-                  <a:pt x="10696282" y="695"/>
-                  <a:pt x="10853928" y="0"/>
-                </a:cubicBezTo>
-                <a:cubicBezTo>
-                  <a:pt x="10853521" y="8690"/>
-                  <a:pt x="10853774" y="14141"/>
-                  <a:pt x="10853928" y="18288"/>
-                </a:cubicBezTo>
-                <a:cubicBezTo>
-                  <a:pt x="10608124" y="24255"/>
-                  <a:pt x="10343415" y="22307"/>
-                  <a:pt x="10067018" y="18288"/>
-                </a:cubicBezTo>
-                <a:cubicBezTo>
-                  <a:pt x="9790621" y="14270"/>
-                  <a:pt x="9843266" y="3564"/>
-                  <a:pt x="9714266" y="18288"/>
-                </a:cubicBezTo>
-                <a:cubicBezTo>
-                  <a:pt x="9585266" y="33012"/>
-                  <a:pt x="9379484" y="1875"/>
-                  <a:pt x="9252974" y="18288"/>
-                </a:cubicBezTo>
-                <a:cubicBezTo>
-                  <a:pt x="9126464" y="34701"/>
-                  <a:pt x="8580678" y="-4904"/>
-                  <a:pt x="8357525" y="18288"/>
-                </a:cubicBezTo>
-                <a:cubicBezTo>
-                  <a:pt x="8134372" y="41480"/>
-                  <a:pt x="7903199" y="26458"/>
-                  <a:pt x="7679154" y="18288"/>
-                </a:cubicBezTo>
-                <a:cubicBezTo>
-                  <a:pt x="7455109" y="10118"/>
-                  <a:pt x="7435944" y="27109"/>
-                  <a:pt x="7217862" y="18288"/>
-                </a:cubicBezTo>
-                <a:cubicBezTo>
-                  <a:pt x="6999780" y="9467"/>
-                  <a:pt x="6680409" y="18985"/>
-                  <a:pt x="6539492" y="18288"/>
-                </a:cubicBezTo>
-                <a:cubicBezTo>
-                  <a:pt x="6398575" y="17592"/>
-                  <a:pt x="6312077" y="33018"/>
-                  <a:pt x="6186739" y="18288"/>
-                </a:cubicBezTo>
-                <a:cubicBezTo>
-                  <a:pt x="6061401" y="3558"/>
-                  <a:pt x="5947033" y="12075"/>
-                  <a:pt x="5833986" y="18288"/>
-                </a:cubicBezTo>
-                <a:cubicBezTo>
-                  <a:pt x="5720939" y="24501"/>
-                  <a:pt x="5482226" y="8586"/>
-                  <a:pt x="5155616" y="18288"/>
-                </a:cubicBezTo>
-                <a:cubicBezTo>
-                  <a:pt x="4829006" y="27991"/>
-                  <a:pt x="4841274" y="29316"/>
-                  <a:pt x="4694324" y="18288"/>
-                </a:cubicBezTo>
-                <a:cubicBezTo>
-                  <a:pt x="4547374" y="7260"/>
-                  <a:pt x="4077675" y="7013"/>
-                  <a:pt x="3907414" y="18288"/>
-                </a:cubicBezTo>
-                <a:cubicBezTo>
-                  <a:pt x="3737153" y="29564"/>
-                  <a:pt x="3538393" y="21630"/>
-                  <a:pt x="3446122" y="18288"/>
-                </a:cubicBezTo>
-                <a:cubicBezTo>
-                  <a:pt x="3353851" y="14946"/>
-                  <a:pt x="2990320" y="-8091"/>
-                  <a:pt x="2659212" y="18288"/>
-                </a:cubicBezTo>
-                <a:cubicBezTo>
-                  <a:pt x="2328104" y="44667"/>
-                  <a:pt x="2427653" y="9607"/>
-                  <a:pt x="2306460" y="18288"/>
-                </a:cubicBezTo>
-                <a:cubicBezTo>
-                  <a:pt x="2185267" y="26969"/>
-                  <a:pt x="1719763" y="3717"/>
-                  <a:pt x="1519550" y="18288"/>
-                </a:cubicBezTo>
-                <a:cubicBezTo>
-                  <a:pt x="1319337" y="32860"/>
-                  <a:pt x="1167371" y="17040"/>
-                  <a:pt x="1058258" y="18288"/>
-                </a:cubicBezTo>
-                <a:cubicBezTo>
-                  <a:pt x="949145" y="19536"/>
-                  <a:pt x="780234" y="31447"/>
-                  <a:pt x="705505" y="18288"/>
-                </a:cubicBezTo>
-                <a:cubicBezTo>
-                  <a:pt x="630776" y="5129"/>
-                  <a:pt x="215796" y="30056"/>
-                  <a:pt x="0" y="18288"/>
-                </a:cubicBezTo>
-                <a:cubicBezTo>
-                  <a:pt x="-53" y="11301"/>
-                  <a:pt x="-649" y="7756"/>
-                  <a:pt x="0" y="0"/>
-                </a:cubicBezTo>
-                <a:close/>
-              </a:path>
-            </a:pathLst>
-          </a:custGeom>
-          <a:solidFill>
-            <a:schemeClr val="accent2"/>
-          </a:solidFill>
-          <a:ln w="41275" cap="rnd">
-            <a:solidFill>
-              <a:schemeClr val="accent2"/>
-            </a:solidFill>
-            <a:round/>
-            <a:extLst>
-              <a:ext uri="{C807C97D-BFC1-408E-A445-0C87EB9F89A2}">
-                <ask:lineSketchStyleProps xmlns:ask="http://schemas.microsoft.com/office/drawing/2018/sketchyshapes" sd="1219033472">
-                  <a:prstGeom prst="rect">
-                    <a:avLst/>
-                  </a:prstGeom>
-                  <ask:type>
-                    <ask:lineSketchFreehand/>
-                  </ask:type>
-                </ask:lineSketchStyleProps>
-              </a:ext>
-            </a:extLst>
-          </a:ln>
-        </p:spPr>
-        <p:style>
-          <a:lnRef idx="2">
-            <a:schemeClr val="accent1">
-              <a:shade val="50000"/>
-            </a:schemeClr>
-          </a:lnRef>
-          <a:fillRef idx="1">
-            <a:schemeClr val="accent1"/>
-          </a:fillRef>
-          <a:effectRef idx="0">
-            <a:schemeClr val="accent1"/>
-          </a:effectRef>
-          <a:fontRef idx="minor">
-            <a:schemeClr val="lt1"/>
-          </a:fontRef>
-        </p:style>
-        <p:txBody>
-          <a:bodyPr rtlCol="0" anchor="ctr"/>
-          <a:lstStyle/>
-          <a:p>
-            <a:pPr algn="ctr"/>
-            <a:endParaRPr lang="en-US"/>
-          </a:p>
-        </p:txBody>
-      </p:sp>
-      <p:sp>
-        <p:nvSpPr>
-          <p:cNvPr id="3" name="Content Placeholder 2">
-            <a:extLst>
-              <a:ext uri="{FF2B5EF4-FFF2-40B4-BE49-F238E27FC236}">
-                <a16:creationId xmlns:a16="http://schemas.microsoft.com/office/drawing/2014/main" id="{DB2E8532-DA9A-944C-2727-6FC5DD6DEF54}"/>
-              </a:ext>
-            </a:extLst>
-          </p:cNvPr>
-          <p:cNvSpPr>
-            <a:spLocks noGrp="1"/>
-          </p:cNvSpPr>
-          <p:nvPr>
-            <p:ph idx="1"/>
-          </p:nvPr>
-        </p:nvSpPr>
-        <p:spPr>
-          <a:xfrm>
-            <a:off x="838199" y="1929384"/>
-            <a:ext cx="11254891" cy="4768021"/>
-          </a:xfrm>
-        </p:spPr>
-        <p:txBody>
-          <a:bodyPr>
-            <a:noAutofit/>
-          </a:bodyPr>
-          <a:lstStyle/>
-          <a:p>
-            <a:r>
-              <a:rPr lang="en-GB" sz="1100" b="1" i="0" dirty="0">
-                <a:effectLst/>
-                <a:highlight>
-                  <a:srgbClr val="FFFF00"/>
-                </a:highlight>
-                <a:latin typeface="proxima-nova"/>
-              </a:rPr>
-              <a:t>Databases and Tables</a:t>
-            </a:r>
-          </a:p>
-          <a:p>
-            <a:pPr lvl="1"/>
-            <a:r>
-              <a:rPr lang="en-GB" sz="900" dirty="0">
-                <a:latin typeface="proxima-nova"/>
-              </a:rPr>
-              <a:t>Makes up Data </a:t>
-            </a:r>
-            <a:r>
-              <a:rPr lang="en-GB" sz="900" dirty="0" err="1">
-                <a:latin typeface="proxima-nova"/>
-              </a:rPr>
-              <a:t>Catalog</a:t>
-            </a:r>
-            <a:r>
-              <a:rPr lang="en-GB" sz="900" dirty="0">
-                <a:latin typeface="proxima-nova"/>
-              </a:rPr>
-              <a:t>. </a:t>
-            </a:r>
-            <a:r>
-              <a:rPr lang="en-GB" sz="900" i="0" dirty="0">
-                <a:effectLst/>
-                <a:latin typeface="proxima-nova"/>
-              </a:rPr>
-              <a:t> A Table can only exist in one Database. Your Database can contain Tables from any of the AWS Glue-supported sources.</a:t>
-            </a:r>
-          </a:p>
-          <a:p>
-            <a:r>
-              <a:rPr lang="en-GB" sz="1100" b="1" i="0" dirty="0">
-                <a:effectLst/>
-                <a:highlight>
-                  <a:srgbClr val="FFFF00"/>
-                </a:highlight>
-                <a:latin typeface="proxima-nova"/>
-              </a:rPr>
-              <a:t>Crawlers and Classifiers</a:t>
-            </a:r>
-          </a:p>
-          <a:p>
-            <a:pPr lvl="1"/>
-            <a:r>
-              <a:rPr lang="en-GB" sz="900" i="0" dirty="0">
-                <a:effectLst/>
-                <a:latin typeface="proxima-nova"/>
-              </a:rPr>
-              <a:t>A Crawler assists in the creation and updating of Data </a:t>
-            </a:r>
-            <a:r>
-              <a:rPr lang="en-GB" sz="900" i="0" dirty="0" err="1">
-                <a:effectLst/>
-                <a:latin typeface="proxima-nova"/>
-              </a:rPr>
-              <a:t>Catalog</a:t>
-            </a:r>
-            <a:r>
-              <a:rPr lang="en-GB" sz="900" i="0" dirty="0">
-                <a:effectLst/>
-                <a:latin typeface="proxima-nova"/>
-              </a:rPr>
-              <a:t> Tables. It has the ability to crawl both file-based and table-based data stores.</a:t>
-            </a:r>
-          </a:p>
-          <a:p>
-            <a:pPr lvl="2"/>
-            <a:r>
-              <a:rPr lang="en-GB" sz="900" i="0" dirty="0">
-                <a:effectLst/>
-                <a:latin typeface="proxima-nova"/>
-              </a:rPr>
-              <a:t>Crawlers can crawl the following data stores via their native interfaces:</a:t>
-            </a:r>
-          </a:p>
-          <a:p>
-            <a:pPr lvl="3"/>
-            <a:r>
-              <a:rPr lang="en-GB" sz="900" i="0" dirty="0">
-                <a:effectLst/>
-                <a:latin typeface="proxima-nova"/>
-              </a:rPr>
-              <a:t>Amazon S3</a:t>
-            </a:r>
-          </a:p>
-          <a:p>
-            <a:pPr lvl="3"/>
-            <a:r>
-              <a:rPr lang="en-GB" sz="900" i="0" dirty="0">
-                <a:effectLst/>
-                <a:latin typeface="proxima-nova"/>
-              </a:rPr>
-              <a:t>DynamoDB</a:t>
-            </a:r>
-          </a:p>
-          <a:p>
-            <a:pPr lvl="2"/>
-            <a:r>
-              <a:rPr lang="en-GB" sz="900" i="0" dirty="0">
-                <a:effectLst/>
-                <a:latin typeface="proxima-nova"/>
-              </a:rPr>
-              <a:t>Crawlers can crawl the following data stores via a JDBC connection:</a:t>
-            </a:r>
-          </a:p>
-          <a:p>
-            <a:pPr lvl="3"/>
-            <a:r>
-              <a:rPr lang="en-GB" sz="900" i="0" dirty="0">
-                <a:effectLst/>
-                <a:latin typeface="proxima-nova"/>
-              </a:rPr>
-              <a:t>Redshift, RDS, Aurora</a:t>
-            </a:r>
-          </a:p>
-          <a:p>
-            <a:pPr lvl="1"/>
-            <a:r>
-              <a:rPr lang="en-GB" sz="900" i="0" dirty="0">
-                <a:effectLst/>
-                <a:latin typeface="proxima-nova"/>
-              </a:rPr>
-              <a:t>A Classifier in the AWS Glue crawler recognizes the data format and generates the schema. AWS Glue comes with a set of built-in classifiers, but you can also create your own Custom Classifiers.</a:t>
-            </a:r>
-          </a:p>
-          <a:p>
-            <a:r>
-              <a:rPr lang="en-GB" sz="1100" b="1" i="0" dirty="0">
-                <a:effectLst/>
-                <a:highlight>
-                  <a:srgbClr val="FFFF00"/>
-                </a:highlight>
-                <a:latin typeface="proxima-nova"/>
-              </a:rPr>
-              <a:t>Connections</a:t>
-            </a:r>
-          </a:p>
-          <a:p>
-            <a:pPr lvl="1"/>
-            <a:r>
-              <a:rPr lang="en-GB" sz="900" i="0" dirty="0">
-                <a:effectLst/>
-                <a:latin typeface="proxima-nova"/>
-              </a:rPr>
-              <a:t>Connections allow you to centralize connection information such as login credentials and virtual private cloud (VPC) IDs. </a:t>
-            </a:r>
-          </a:p>
-          <a:p>
-            <a:pPr lvl="1"/>
-            <a:r>
-              <a:rPr lang="en-GB" sz="900" i="0" dirty="0">
-                <a:effectLst/>
-                <a:latin typeface="proxima-nova"/>
-              </a:rPr>
-              <a:t>This saves time because you don’t have to input connection information each time you create a crawler or job. </a:t>
-            </a:r>
-          </a:p>
-          <a:p>
-            <a:pPr lvl="1"/>
-            <a:r>
-              <a:rPr lang="en-GB" sz="900" i="0" dirty="0">
-                <a:effectLst/>
-                <a:latin typeface="proxima-nova"/>
-              </a:rPr>
-              <a:t>The following Connection types are available: </a:t>
-            </a:r>
-          </a:p>
-          <a:p>
-            <a:pPr lvl="2"/>
-            <a:r>
-              <a:rPr lang="en-GB" sz="900" i="0" dirty="0">
-                <a:effectLst/>
-                <a:latin typeface="proxima-nova"/>
-              </a:rPr>
-              <a:t>JDBC Amazon RDS Redshift Amazon </a:t>
-            </a:r>
-            <a:r>
-              <a:rPr lang="en-GB" sz="900" i="0" dirty="0" err="1">
-                <a:effectLst/>
-                <a:latin typeface="proxima-nova"/>
-              </a:rPr>
-              <a:t>DocumentDB</a:t>
-            </a:r>
-            <a:r>
-              <a:rPr lang="en-GB" sz="900" i="0" dirty="0">
-                <a:effectLst/>
-                <a:latin typeface="proxima-nova"/>
-              </a:rPr>
-              <a:t>, Network (designates a connection to a data source within a VPC environment on AWS)</a:t>
-            </a:r>
-          </a:p>
-          <a:p>
-            <a:r>
-              <a:rPr lang="en-GB" sz="1100" b="1" i="0" dirty="0">
-                <a:effectLst/>
-                <a:highlight>
-                  <a:srgbClr val="FFFF00"/>
-                </a:highlight>
-                <a:latin typeface="proxima-nova"/>
-              </a:rPr>
-              <a:t>AWS Glue Schema Registry</a:t>
-            </a:r>
-          </a:p>
-          <a:p>
-            <a:pPr lvl="1"/>
-            <a:r>
-              <a:rPr lang="en-GB" sz="900" dirty="0"/>
-              <a:t>The AWS Glue Schema Registry allows disparate systems to share a serialization and deserialization schema. Assume you have a data producer and a data consumer, for example. Whenever the serialized data is published, the producer is aware of the schema. The consumer makes use of the Schema Registry </a:t>
-            </a:r>
-            <a:r>
-              <a:rPr lang="en-GB" sz="900" dirty="0" err="1"/>
-              <a:t>deserializer</a:t>
-            </a:r>
-            <a:r>
-              <a:rPr lang="en-GB" sz="900" dirty="0"/>
-              <a:t> library, which extracts the schema version ID from the record payload. The schema is then used by the consumer to deserialize the data.</a:t>
-            </a:r>
-          </a:p>
-          <a:p>
-            <a:pPr lvl="1"/>
-            <a:r>
-              <a:rPr lang="en-GB" sz="900" i="0" dirty="0">
-                <a:effectLst/>
-                <a:latin typeface="proxima-nova"/>
-              </a:rPr>
-              <a:t>you can manage and enforce schemas on your data streaming applications using convenient integrations with the following data input sources:</a:t>
-            </a:r>
-          </a:p>
-          <a:p>
-            <a:pPr lvl="2"/>
-            <a:r>
-              <a:rPr lang="en-GB" sz="900" i="0" dirty="0">
-                <a:effectLst/>
-                <a:latin typeface="proxima-nova"/>
-              </a:rPr>
-              <a:t>Apache Kafka, Amazon Managed Streaming for Apache Kafka, Amazon Kinesis Data Streams, Amazon Kinesis Data Analytics for Apache </a:t>
-            </a:r>
-            <a:r>
-              <a:rPr lang="en-GB" sz="900" i="0" dirty="0" err="1">
-                <a:effectLst/>
-                <a:latin typeface="proxima-nova"/>
-              </a:rPr>
-              <a:t>Flink</a:t>
-            </a:r>
-            <a:r>
-              <a:rPr lang="en-GB" sz="900" i="0" dirty="0">
-                <a:effectLst/>
-                <a:latin typeface="proxima-nova"/>
-              </a:rPr>
-              <a:t>, AWS Lambda</a:t>
-            </a:r>
-          </a:p>
-          <a:p>
-            <a:pPr lvl="1"/>
-            <a:r>
-              <a:rPr lang="en-GB" sz="900" i="0" dirty="0">
-                <a:effectLst/>
-                <a:latin typeface="proxima-nova"/>
-              </a:rPr>
-              <a:t>Schema Registry consists of the following components:</a:t>
-            </a:r>
-          </a:p>
-          <a:p>
-            <a:pPr lvl="2"/>
-            <a:r>
-              <a:rPr lang="en-GB" sz="900" i="0" dirty="0">
-                <a:effectLst/>
-                <a:latin typeface="proxima-nova"/>
-              </a:rPr>
-              <a:t>Schemas: A Schema is a representation of the structure and format of a data record.</a:t>
-            </a:r>
-          </a:p>
-          <a:p>
-            <a:pPr lvl="2"/>
-            <a:r>
-              <a:rPr lang="en-GB" sz="900" i="0" dirty="0">
-                <a:effectLst/>
-                <a:latin typeface="proxima-nova"/>
-              </a:rPr>
-              <a:t>Registry: A Registry is a logical container for schemas. You can use registries to organize your schemas and manage access control for your applications.</a:t>
-            </a:r>
-          </a:p>
-        </p:txBody>
-      </p:sp>
-    </p:spTree>
-    <p:extLst>
-      <p:ext uri="{BB962C8B-B14F-4D97-AF65-F5344CB8AC3E}">
-        <p14:creationId xmlns:p14="http://schemas.microsoft.com/office/powerpoint/2010/main" val="3151521128"/>
-      </p:ext>
-    </p:extLst>
-  </p:cSld>
-  <p:clrMapOvr>
-    <a:masterClrMapping/>
-  </p:clrMapOvr>
-</p:sld>
-</file>
-
-<file path=ppt/slides/slide7.xml><?xml version="1.0" encoding="utf-8"?>
 <p:sld xmlns:a="http://schemas.openxmlformats.org/drawingml/2006/main" xmlns:r="http://schemas.openxmlformats.org/officeDocument/2006/relationships" xmlns:p="http://schemas.openxmlformats.org/presentationml/2006/main">
   <p:cSld>
     <p:bg>
@@ -30444,12 +29342,12 @@
         </p:spPr>
         <p:txBody>
           <a:bodyPr>
-            <a:normAutofit/>
+            <a:normAutofit lnSpcReduction="10000"/>
           </a:bodyPr>
           <a:lstStyle/>
           <a:p>
             <a:r>
-              <a:rPr lang="en-GB" sz="2200" b="0" i="0" dirty="0">
+              <a:rPr lang="en-GB" sz="2200" b="1" i="0" dirty="0">
                 <a:effectLst/>
                 <a:latin typeface="Amazon Ember"/>
               </a:rPr>
@@ -30465,7 +29363,7 @@
               <a:t>This persisted state information is called a </a:t>
             </a:r>
             <a:r>
-              <a:rPr lang="en-GB" sz="2200" b="0" i="1" dirty="0">
+              <a:rPr lang="en-GB" sz="2200" b="1" i="1" dirty="0">
                 <a:effectLst/>
                 <a:latin typeface="Amazon Ember"/>
               </a:rPr>
@@ -30476,7 +29374,16 @@
                 <a:effectLst/>
                 <a:latin typeface="Amazon Ember"/>
               </a:rPr>
-              <a:t>. Job bookmarks help AWS Glue maintain state information and prevent the reprocessing of old data. </a:t>
+              <a:t>. </a:t>
+            </a:r>
+          </a:p>
+          <a:p>
+            <a:r>
+              <a:rPr lang="en-GB" sz="2200" b="0" i="0" dirty="0">
+                <a:effectLst/>
+                <a:latin typeface="Amazon Ember"/>
+              </a:rPr>
+              <a:t>Job bookmarks help AWS Glue maintain state information and prevent the reprocessing of old data. </a:t>
             </a:r>
           </a:p>
           <a:p>
@@ -30496,9 +29403,6 @@
               </a:rPr>
               <a:t>A job bookmark is composed of the states for various elements of jobs, such as sources, transformations, and targets.</a:t>
             </a:r>
-          </a:p>
-          <a:p>
-            <a:endParaRPr lang="en-CH" sz="2200" dirty="0"/>
           </a:p>
         </p:txBody>
       </p:sp>
@@ -30774,7 +29678,7 @@
                     <a:p>
                       <a:pPr fontAlgn="t" latinLnBrk="0"/>
                       <a:r>
-                        <a:rPr lang="en-GB" b="0">
+                        <a:rPr lang="en-GB" b="0" dirty="0">
                           <a:effectLst/>
                         </a:rPr>
                         <a:t>Version 1.0 and later</a:t>
@@ -31030,7 +29934,7 @@
 </p:sld>
 </file>
 
-<file path=ppt/slides/slide8.xml><?xml version="1.0" encoding="utf-8"?>
+<file path=ppt/slides/slide7.xml><?xml version="1.0" encoding="utf-8"?>
 <p:sld xmlns:a="http://schemas.openxmlformats.org/drawingml/2006/main" xmlns:r="http://schemas.openxmlformats.org/officeDocument/2006/relationships" xmlns:p="http://schemas.openxmlformats.org/presentationml/2006/main">
   <p:cSld>
     <p:bg>
@@ -31990,7 +30894,7 @@
 </p:sld>
 </file>
 
-<file path=ppt/slides/slide9.xml><?xml version="1.0" encoding="utf-8"?>
+<file path=ppt/slides/slide8.xml><?xml version="1.0" encoding="utf-8"?>
 <p:sld xmlns:a="http://schemas.openxmlformats.org/drawingml/2006/main" xmlns:r="http://schemas.openxmlformats.org/officeDocument/2006/relationships" xmlns:p="http://schemas.openxmlformats.org/presentationml/2006/main">
   <p:cSld>
     <p:bg>
@@ -33683,8 +32587,8 @@
         </p:nvSpPr>
         <p:spPr>
           <a:xfrm>
-            <a:off x="417838" y="2194102"/>
-            <a:ext cx="3871529" cy="4424701"/>
+            <a:off x="139279" y="2194102"/>
+            <a:ext cx="4438261" cy="4424701"/>
           </a:xfrm>
         </p:spPr>
         <p:txBody>
@@ -33777,6 +32681,551 @@
     <p:extLst>
       <p:ext uri="{BB962C8B-B14F-4D97-AF65-F5344CB8AC3E}">
         <p14:creationId xmlns:p14="http://schemas.microsoft.com/office/powerpoint/2010/main" val="4085452563"/>
+      </p:ext>
+    </p:extLst>
+  </p:cSld>
+  <p:clrMapOvr>
+    <a:masterClrMapping/>
+  </p:clrMapOvr>
+</p:sld>
+</file>
+
+<file path=ppt/slides/slide9.xml><?xml version="1.0" encoding="utf-8"?>
+<p:sld xmlns:a="http://schemas.openxmlformats.org/drawingml/2006/main" xmlns:r="http://schemas.openxmlformats.org/officeDocument/2006/relationships" xmlns:p="http://schemas.openxmlformats.org/presentationml/2006/main">
+  <p:cSld>
+    <p:bg>
+      <p:bgPr>
+        <a:solidFill>
+          <a:schemeClr val="bg1"/>
+        </a:solidFill>
+        <a:effectLst/>
+      </p:bgPr>
+    </p:bg>
+    <p:spTree>
+      <p:nvGrpSpPr>
+        <p:cNvPr id="1" name=""/>
+        <p:cNvGrpSpPr/>
+        <p:nvPr/>
+      </p:nvGrpSpPr>
+      <p:grpSpPr>
+        <a:xfrm>
+          <a:off x="0" y="0"/>
+          <a:ext cx="0" cy="0"/>
+          <a:chOff x="0" y="0"/>
+          <a:chExt cx="0" cy="0"/>
+        </a:xfrm>
+      </p:grpSpPr>
+      <p:sp useBgFill="1">
+        <p:nvSpPr>
+          <p:cNvPr id="6151" name="Rectangle 6150">
+            <a:extLst>
+              <a:ext uri="{FF2B5EF4-FFF2-40B4-BE49-F238E27FC236}">
+                <a16:creationId xmlns:a16="http://schemas.microsoft.com/office/drawing/2014/main" id="{2B97F24A-32CE-4C1C-A50D-3016B394DCFB}"/>
+              </a:ext>
+              <a:ext uri="{C183D7F6-B498-43B3-948B-1728B52AA6E4}">
+                <adec:decorative xmlns:adec="http://schemas.microsoft.com/office/drawing/2017/decorative" val="1"/>
+              </a:ext>
+            </a:extLst>
+          </p:cNvPr>
+          <p:cNvSpPr>
+            <a:spLocks noGrp="1" noRot="1" noChangeAspect="1" noMove="1" noResize="1" noEditPoints="1" noAdjustHandles="1" noChangeArrowheads="1" noChangeShapeType="1" noTextEdit="1"/>
+          </p:cNvSpPr>
+          <p:nvPr>
+            <p:extLst>
+              <p:ext uri="{386F3935-93C4-4BCD-93E2-E3B085C9AB24}">
+                <p16:designElem xmlns:p16="http://schemas.microsoft.com/office/powerpoint/2015/main" val="1"/>
+              </p:ext>
+            </p:extLst>
+          </p:nvPr>
+        </p:nvSpPr>
+        <p:spPr>
+          <a:xfrm>
+            <a:off x="0" y="0"/>
+            <a:ext cx="12192000" cy="6858000"/>
+          </a:xfrm>
+          <a:prstGeom prst="rect">
+            <a:avLst/>
+          </a:prstGeom>
+          <a:ln>
+            <a:noFill/>
+          </a:ln>
+        </p:spPr>
+        <p:style>
+          <a:lnRef idx="2">
+            <a:schemeClr val="accent1">
+              <a:shade val="50000"/>
+            </a:schemeClr>
+          </a:lnRef>
+          <a:fillRef idx="1">
+            <a:schemeClr val="accent1"/>
+          </a:fillRef>
+          <a:effectRef idx="0">
+            <a:schemeClr val="accent1"/>
+          </a:effectRef>
+          <a:fontRef idx="minor">
+            <a:schemeClr val="lt1"/>
+          </a:fontRef>
+        </p:style>
+        <p:txBody>
+          <a:bodyPr rtlCol="0" anchor="ctr"/>
+          <a:lstStyle/>
+          <a:p>
+            <a:pPr algn="ctr"/>
+            <a:endParaRPr lang="en-US"/>
+          </a:p>
+        </p:txBody>
+      </p:sp>
+      <p:sp>
+        <p:nvSpPr>
+          <p:cNvPr id="2" name="Title 1">
+            <a:extLst>
+              <a:ext uri="{FF2B5EF4-FFF2-40B4-BE49-F238E27FC236}">
+                <a16:creationId xmlns:a16="http://schemas.microsoft.com/office/drawing/2014/main" id="{CCF2EC28-DBA6-D048-83CC-7663203900C2}"/>
+              </a:ext>
+            </a:extLst>
+          </p:cNvPr>
+          <p:cNvSpPr>
+            <a:spLocks noGrp="1"/>
+          </p:cNvSpPr>
+          <p:nvPr>
+            <p:ph type="title"/>
+          </p:nvPr>
+        </p:nvSpPr>
+        <p:spPr>
+          <a:xfrm>
+            <a:off x="630936" y="639520"/>
+            <a:ext cx="3429000" cy="1719072"/>
+          </a:xfrm>
+        </p:spPr>
+        <p:txBody>
+          <a:bodyPr anchor="b">
+            <a:normAutofit/>
+          </a:bodyPr>
+          <a:lstStyle/>
+          <a:p>
+            <a:r>
+              <a:rPr lang="en-CH" sz="5400" dirty="0"/>
+              <a:t>AWS Glue DataBrew</a:t>
+            </a:r>
+          </a:p>
+        </p:txBody>
+      </p:sp>
+      <p:sp>
+        <p:nvSpPr>
+          <p:cNvPr id="6153" name="sketch line">
+            <a:extLst>
+              <a:ext uri="{FF2B5EF4-FFF2-40B4-BE49-F238E27FC236}">
+                <a16:creationId xmlns:a16="http://schemas.microsoft.com/office/drawing/2014/main" id="{CD8B4F24-440B-49E9-B85D-733523DC064B}"/>
+              </a:ext>
+              <a:ext uri="{C183D7F6-B498-43B3-948B-1728B52AA6E4}">
+                <adec:decorative xmlns:adec="http://schemas.microsoft.com/office/drawing/2017/decorative" val="1"/>
+              </a:ext>
+            </a:extLst>
+          </p:cNvPr>
+          <p:cNvSpPr>
+            <a:spLocks noGrp="1" noRot="1" noChangeAspect="1" noMove="1" noResize="1" noEditPoints="1" noAdjustHandles="1" noChangeArrowheads="1" noChangeShapeType="1" noTextEdit="1"/>
+          </p:cNvSpPr>
+          <p:nvPr>
+            <p:extLst>
+              <p:ext uri="{386F3935-93C4-4BCD-93E2-E3B085C9AB24}">
+                <p16:designElem xmlns:p16="http://schemas.microsoft.com/office/powerpoint/2015/main" val="1"/>
+              </p:ext>
+            </p:extLst>
+          </p:nvPr>
+        </p:nvSpPr>
+        <p:spPr>
+          <a:xfrm>
+            <a:off x="643278" y="2573756"/>
+            <a:ext cx="3255095" cy="18288"/>
+          </a:xfrm>
+          <a:custGeom>
+            <a:avLst/>
+            <a:gdLst>
+              <a:gd name="connsiteX0" fmla="*/ 0 w 3255095"/>
+              <a:gd name="connsiteY0" fmla="*/ 0 h 18288"/>
+              <a:gd name="connsiteX1" fmla="*/ 618468 w 3255095"/>
+              <a:gd name="connsiteY1" fmla="*/ 0 h 18288"/>
+              <a:gd name="connsiteX2" fmla="*/ 1269487 w 3255095"/>
+              <a:gd name="connsiteY2" fmla="*/ 0 h 18288"/>
+              <a:gd name="connsiteX3" fmla="*/ 1953057 w 3255095"/>
+              <a:gd name="connsiteY3" fmla="*/ 0 h 18288"/>
+              <a:gd name="connsiteX4" fmla="*/ 2636627 w 3255095"/>
+              <a:gd name="connsiteY4" fmla="*/ 0 h 18288"/>
+              <a:gd name="connsiteX5" fmla="*/ 3255095 w 3255095"/>
+              <a:gd name="connsiteY5" fmla="*/ 0 h 18288"/>
+              <a:gd name="connsiteX6" fmla="*/ 3255095 w 3255095"/>
+              <a:gd name="connsiteY6" fmla="*/ 18288 h 18288"/>
+              <a:gd name="connsiteX7" fmla="*/ 2538974 w 3255095"/>
+              <a:gd name="connsiteY7" fmla="*/ 18288 h 18288"/>
+              <a:gd name="connsiteX8" fmla="*/ 1822853 w 3255095"/>
+              <a:gd name="connsiteY8" fmla="*/ 18288 h 18288"/>
+              <a:gd name="connsiteX9" fmla="*/ 1171834 w 3255095"/>
+              <a:gd name="connsiteY9" fmla="*/ 18288 h 18288"/>
+              <a:gd name="connsiteX10" fmla="*/ 0 w 3255095"/>
+              <a:gd name="connsiteY10" fmla="*/ 18288 h 18288"/>
+              <a:gd name="connsiteX11" fmla="*/ 0 w 3255095"/>
+              <a:gd name="connsiteY11" fmla="*/ 0 h 18288"/>
+            </a:gdLst>
+            <a:ahLst/>
+            <a:cxnLst>
+              <a:cxn ang="0">
+                <a:pos x="connsiteX0" y="connsiteY0"/>
+              </a:cxn>
+              <a:cxn ang="0">
+                <a:pos x="connsiteX1" y="connsiteY1"/>
+              </a:cxn>
+              <a:cxn ang="0">
+                <a:pos x="connsiteX2" y="connsiteY2"/>
+              </a:cxn>
+              <a:cxn ang="0">
+                <a:pos x="connsiteX3" y="connsiteY3"/>
+              </a:cxn>
+              <a:cxn ang="0">
+                <a:pos x="connsiteX4" y="connsiteY4"/>
+              </a:cxn>
+              <a:cxn ang="0">
+                <a:pos x="connsiteX5" y="connsiteY5"/>
+              </a:cxn>
+              <a:cxn ang="0">
+                <a:pos x="connsiteX6" y="connsiteY6"/>
+              </a:cxn>
+              <a:cxn ang="0">
+                <a:pos x="connsiteX7" y="connsiteY7"/>
+              </a:cxn>
+              <a:cxn ang="0">
+                <a:pos x="connsiteX8" y="connsiteY8"/>
+              </a:cxn>
+              <a:cxn ang="0">
+                <a:pos x="connsiteX9" y="connsiteY9"/>
+              </a:cxn>
+              <a:cxn ang="0">
+                <a:pos x="connsiteX10" y="connsiteY10"/>
+              </a:cxn>
+              <a:cxn ang="0">
+                <a:pos x="connsiteX11" y="connsiteY11"/>
+              </a:cxn>
+            </a:cxnLst>
+            <a:rect l="l" t="t" r="r" b="b"/>
+            <a:pathLst>
+              <a:path w="3255095" h="18288" fill="none" extrusionOk="0">
+                <a:moveTo>
+                  <a:pt x="0" y="0"/>
+                </a:moveTo>
+                <a:cubicBezTo>
+                  <a:pt x="240201" y="-22123"/>
+                  <a:pt x="462021" y="-19623"/>
+                  <a:pt x="618468" y="0"/>
+                </a:cubicBezTo>
+                <a:cubicBezTo>
+                  <a:pt x="774915" y="19623"/>
+                  <a:pt x="974734" y="2035"/>
+                  <a:pt x="1269487" y="0"/>
+                </a:cubicBezTo>
+                <a:cubicBezTo>
+                  <a:pt x="1564240" y="-2035"/>
+                  <a:pt x="1733579" y="10639"/>
+                  <a:pt x="1953057" y="0"/>
+                </a:cubicBezTo>
+                <a:cubicBezTo>
+                  <a:pt x="2172535" y="-10639"/>
+                  <a:pt x="2453962" y="14018"/>
+                  <a:pt x="2636627" y="0"/>
+                </a:cubicBezTo>
+                <a:cubicBezTo>
+                  <a:pt x="2819292" y="-14018"/>
+                  <a:pt x="3121375" y="5399"/>
+                  <a:pt x="3255095" y="0"/>
+                </a:cubicBezTo>
+                <a:cubicBezTo>
+                  <a:pt x="3254386" y="8157"/>
+                  <a:pt x="3254682" y="12125"/>
+                  <a:pt x="3255095" y="18288"/>
+                </a:cubicBezTo>
+                <a:cubicBezTo>
+                  <a:pt x="3088545" y="23203"/>
+                  <a:pt x="2687475" y="7419"/>
+                  <a:pt x="2538974" y="18288"/>
+                </a:cubicBezTo>
+                <a:cubicBezTo>
+                  <a:pt x="2390473" y="29157"/>
+                  <a:pt x="2137381" y="-8959"/>
+                  <a:pt x="1822853" y="18288"/>
+                </a:cubicBezTo>
+                <a:cubicBezTo>
+                  <a:pt x="1508325" y="45535"/>
+                  <a:pt x="1466437" y="20385"/>
+                  <a:pt x="1171834" y="18288"/>
+                </a:cubicBezTo>
+                <a:cubicBezTo>
+                  <a:pt x="877231" y="16191"/>
+                  <a:pt x="561097" y="37643"/>
+                  <a:pt x="0" y="18288"/>
+                </a:cubicBezTo>
+                <a:cubicBezTo>
+                  <a:pt x="-46" y="12483"/>
+                  <a:pt x="-203" y="6491"/>
+                  <a:pt x="0" y="0"/>
+                </a:cubicBezTo>
+                <a:close/>
+              </a:path>
+              <a:path w="3255095" h="18288" stroke="0" extrusionOk="0">
+                <a:moveTo>
+                  <a:pt x="0" y="0"/>
+                </a:moveTo>
+                <a:cubicBezTo>
+                  <a:pt x="291965" y="19429"/>
+                  <a:pt x="363155" y="8568"/>
+                  <a:pt x="618468" y="0"/>
+                </a:cubicBezTo>
+                <a:cubicBezTo>
+                  <a:pt x="873781" y="-8568"/>
+                  <a:pt x="904459" y="-19505"/>
+                  <a:pt x="1171834" y="0"/>
+                </a:cubicBezTo>
+                <a:cubicBezTo>
+                  <a:pt x="1439209" y="19505"/>
+                  <a:pt x="1744369" y="9790"/>
+                  <a:pt x="1887955" y="0"/>
+                </a:cubicBezTo>
+                <a:cubicBezTo>
+                  <a:pt x="2031541" y="-9790"/>
+                  <a:pt x="2346378" y="21240"/>
+                  <a:pt x="2506423" y="0"/>
+                </a:cubicBezTo>
+                <a:cubicBezTo>
+                  <a:pt x="2666468" y="-21240"/>
+                  <a:pt x="2990257" y="30414"/>
+                  <a:pt x="3255095" y="0"/>
+                </a:cubicBezTo>
+                <a:cubicBezTo>
+                  <a:pt x="3254831" y="4493"/>
+                  <a:pt x="3255479" y="9472"/>
+                  <a:pt x="3255095" y="18288"/>
+                </a:cubicBezTo>
+                <a:cubicBezTo>
+                  <a:pt x="3120743" y="16690"/>
+                  <a:pt x="2759628" y="42462"/>
+                  <a:pt x="2604076" y="18288"/>
+                </a:cubicBezTo>
+                <a:cubicBezTo>
+                  <a:pt x="2448524" y="-5886"/>
+                  <a:pt x="2184336" y="19599"/>
+                  <a:pt x="1887955" y="18288"/>
+                </a:cubicBezTo>
+                <a:cubicBezTo>
+                  <a:pt x="1591574" y="16977"/>
+                  <a:pt x="1548845" y="6870"/>
+                  <a:pt x="1334589" y="18288"/>
+                </a:cubicBezTo>
+                <a:cubicBezTo>
+                  <a:pt x="1120333" y="29706"/>
+                  <a:pt x="996014" y="9662"/>
+                  <a:pt x="683570" y="18288"/>
+                </a:cubicBezTo>
+                <a:cubicBezTo>
+                  <a:pt x="371126" y="26914"/>
+                  <a:pt x="198687" y="16167"/>
+                  <a:pt x="0" y="18288"/>
+                </a:cubicBezTo>
+                <a:cubicBezTo>
+                  <a:pt x="843" y="9577"/>
+                  <a:pt x="371" y="6900"/>
+                  <a:pt x="0" y="0"/>
+                </a:cubicBezTo>
+                <a:close/>
+              </a:path>
+            </a:pathLst>
+          </a:custGeom>
+          <a:solidFill>
+            <a:schemeClr val="accent2"/>
+          </a:solidFill>
+          <a:ln w="38100" cap="rnd">
+            <a:solidFill>
+              <a:schemeClr val="accent2"/>
+            </a:solidFill>
+            <a:round/>
+            <a:extLst>
+              <a:ext uri="{C807C97D-BFC1-408E-A445-0C87EB9F89A2}">
+                <ask:lineSketchStyleProps xmlns:ask="http://schemas.microsoft.com/office/drawing/2018/sketchyshapes" sd="1219033472">
+                  <a:prstGeom prst="rect">
+                    <a:avLst/>
+                  </a:prstGeom>
+                  <ask:type>
+                    <ask:lineSketchFreehand/>
+                  </ask:type>
+                </ask:lineSketchStyleProps>
+              </a:ext>
+            </a:extLst>
+          </a:ln>
+        </p:spPr>
+        <p:style>
+          <a:lnRef idx="2">
+            <a:schemeClr val="accent1">
+              <a:shade val="50000"/>
+            </a:schemeClr>
+          </a:lnRef>
+          <a:fillRef idx="1">
+            <a:schemeClr val="accent1"/>
+          </a:fillRef>
+          <a:effectRef idx="0">
+            <a:schemeClr val="accent1"/>
+          </a:effectRef>
+          <a:fontRef idx="minor">
+            <a:schemeClr val="lt1"/>
+          </a:fontRef>
+        </p:style>
+        <p:txBody>
+          <a:bodyPr rtlCol="0" anchor="ctr"/>
+          <a:lstStyle/>
+          <a:p>
+            <a:pPr algn="ctr"/>
+            <a:endParaRPr lang="en-US"/>
+          </a:p>
+        </p:txBody>
+      </p:sp>
+      <p:sp>
+        <p:nvSpPr>
+          <p:cNvPr id="3" name="Content Placeholder 2">
+            <a:extLst>
+              <a:ext uri="{FF2B5EF4-FFF2-40B4-BE49-F238E27FC236}">
+                <a16:creationId xmlns:a16="http://schemas.microsoft.com/office/drawing/2014/main" id="{6931A1DB-8704-057B-CEDA-74CFEFCC362A}"/>
+              </a:ext>
+            </a:extLst>
+          </p:cNvPr>
+          <p:cNvSpPr>
+            <a:spLocks noGrp="1"/>
+          </p:cNvSpPr>
+          <p:nvPr>
+            <p:ph idx="1"/>
+          </p:nvPr>
+        </p:nvSpPr>
+        <p:spPr>
+          <a:xfrm>
+            <a:off x="187725" y="2807208"/>
+            <a:ext cx="4020937" cy="3410712"/>
+          </a:xfrm>
+        </p:spPr>
+        <p:txBody>
+          <a:bodyPr anchor="t">
+            <a:normAutofit/>
+          </a:bodyPr>
+          <a:lstStyle/>
+          <a:p>
+            <a:r>
+              <a:rPr lang="en-GB" sz="1400" b="1" i="0" dirty="0">
+                <a:effectLst/>
+                <a:highlight>
+                  <a:srgbClr val="00FF00"/>
+                </a:highlight>
+                <a:latin typeface="Amazon Ember"/>
+              </a:rPr>
+              <a:t>AWS Glue </a:t>
+            </a:r>
+            <a:r>
+              <a:rPr lang="en-GB" sz="1400" b="1" i="0" dirty="0" err="1">
+                <a:effectLst/>
+                <a:highlight>
+                  <a:srgbClr val="00FF00"/>
+                </a:highlight>
+                <a:latin typeface="Amazon Ember"/>
+              </a:rPr>
+              <a:t>DataBrew</a:t>
+            </a:r>
+            <a:r>
+              <a:rPr lang="en-GB" sz="1400" b="1" i="0" dirty="0">
+                <a:effectLst/>
+                <a:highlight>
+                  <a:srgbClr val="00FF00"/>
+                </a:highlight>
+                <a:latin typeface="Amazon Ember"/>
+              </a:rPr>
+              <a:t> is a visual data preparation tool that enables users to clean and normalize data without writing any code. </a:t>
+            </a:r>
+          </a:p>
+          <a:p>
+            <a:r>
+              <a:rPr lang="en-GB" sz="1400" b="0" i="0" dirty="0">
+                <a:effectLst/>
+                <a:latin typeface="Amazon Ember"/>
+              </a:rPr>
+              <a:t>Using </a:t>
+            </a:r>
+            <a:r>
+              <a:rPr lang="en-GB" sz="1400" b="0" i="0" dirty="0" err="1">
+                <a:effectLst/>
+                <a:latin typeface="Amazon Ember"/>
+              </a:rPr>
+              <a:t>DataBrew</a:t>
+            </a:r>
+            <a:r>
+              <a:rPr lang="en-GB" sz="1400" b="0" i="0" dirty="0">
+                <a:effectLst/>
+                <a:latin typeface="Amazon Ember"/>
+              </a:rPr>
+              <a:t> helps reduce the time it takes to prepare data for analytics and machine learning (ML) by up to 80 percent, compared to custom developed data preparation. </a:t>
+            </a:r>
+          </a:p>
+          <a:p>
+            <a:r>
+              <a:rPr lang="en-GB" sz="1400" b="0" i="0" dirty="0">
+                <a:effectLst/>
+                <a:latin typeface="Amazon Ember"/>
+              </a:rPr>
+              <a:t>You can choose from over 250 ready-made transformations to automate data preparation tasks, such as filtering anomalies, converting data to standard formats, and correcting invalid values.</a:t>
+            </a:r>
+          </a:p>
+        </p:txBody>
+      </p:sp>
+      <p:pic>
+        <p:nvPicPr>
+          <p:cNvPr id="6146" name="Picture 2" descr="&#10;            A simple diagram about how DataBrew works. DataBrew can visually clean, prepare, and&#10;                transform data without the need to write code. A box shows data entering DataBrew from&#10;                Amazon S3. It shows boxes for a few of the transforms that DataBrew can do. The transform&#10;                boxes include the following: Format, clean and standardize data. Restructure and&#10;                transform data. Handle missing and invalid data. Handle categorical variables.&#10;                Handle numerical variables. use natural language processing. The diagram shows that&#10;                the data is exported to S3 as a prepared dataset. &#10;        ">
+            <a:extLst>
+              <a:ext uri="{FF2B5EF4-FFF2-40B4-BE49-F238E27FC236}">
+                <a16:creationId xmlns:a16="http://schemas.microsoft.com/office/drawing/2014/main" id="{4652D5BE-860D-1808-A054-7CF3A0B50ACA}"/>
+              </a:ext>
+            </a:extLst>
+          </p:cNvPr>
+          <p:cNvPicPr>
+            <a:picLocks noChangeAspect="1" noChangeArrowheads="1"/>
+          </p:cNvPicPr>
+          <p:nvPr/>
+        </p:nvPicPr>
+        <p:blipFill>
+          <a:blip r:embed="rId2">
+            <a:extLst>
+              <a:ext uri="{28A0092B-C50C-407E-A947-70E740481C1C}">
+                <a14:useLocalDpi xmlns:a14="http://schemas.microsoft.com/office/drawing/2010/main" val="0"/>
+              </a:ext>
+            </a:extLst>
+          </a:blip>
+          <a:stretch>
+            <a:fillRect/>
+          </a:stretch>
+        </p:blipFill>
+        <p:spPr bwMode="auto">
+          <a:xfrm>
+            <a:off x="4654296" y="1815256"/>
+            <a:ext cx="6903720" cy="3227488"/>
+          </a:xfrm>
+          <a:prstGeom prst="rect">
+            <a:avLst/>
+          </a:prstGeom>
+          <a:noFill/>
+          <a:extLst>
+            <a:ext uri="{909E8E84-426E-40DD-AFC4-6F175D3DCCD1}">
+              <a14:hiddenFill xmlns:a14="http://schemas.microsoft.com/office/drawing/2010/main">
+                <a:solidFill>
+                  <a:srgbClr val="FFFFFF"/>
+                </a:solidFill>
+              </a14:hiddenFill>
+            </a:ext>
+          </a:extLst>
+        </p:spPr>
+      </p:pic>
+    </p:spTree>
+    <p:extLst>
+      <p:ext uri="{BB962C8B-B14F-4D97-AF65-F5344CB8AC3E}">
+        <p14:creationId xmlns:p14="http://schemas.microsoft.com/office/powerpoint/2010/main" val="934616548"/>
       </p:ext>
     </p:extLst>
   </p:cSld>
